--- a/Figure_Overview.pptx
+++ b/Figure_Overview.pptx
@@ -6,18 +6,16 @@
   </p:sldMasterIdLst>
   <p:sldIdLst>
     <p:sldId id="263" r:id="rId2"/>
-    <p:sldId id="264" r:id="rId3"/>
-    <p:sldId id="265" r:id="rId4"/>
-    <p:sldId id="266" r:id="rId5"/>
-    <p:sldId id="267" r:id="rId6"/>
-    <p:sldId id="268" r:id="rId7"/>
-    <p:sldId id="271" r:id="rId8"/>
-    <p:sldId id="273" r:id="rId9"/>
-    <p:sldId id="274" r:id="rId10"/>
-    <p:sldId id="272" r:id="rId11"/>
-    <p:sldId id="275" r:id="rId12"/>
-    <p:sldId id="276" r:id="rId13"/>
-    <p:sldId id="277" r:id="rId14"/>
+    <p:sldId id="266" r:id="rId3"/>
+    <p:sldId id="267" r:id="rId4"/>
+    <p:sldId id="268" r:id="rId5"/>
+    <p:sldId id="271" r:id="rId6"/>
+    <p:sldId id="273" r:id="rId7"/>
+    <p:sldId id="274" r:id="rId8"/>
+    <p:sldId id="272" r:id="rId9"/>
+    <p:sldId id="275" r:id="rId10"/>
+    <p:sldId id="276" r:id="rId11"/>
+    <p:sldId id="277" r:id="rId12"/>
   </p:sldIdLst>
   <p:sldSz cx="12192000" cy="6858000"/>
   <p:notesSz cx="6858000" cy="9144000"/>
@@ -3383,6 +3381,114 @@
           </a:p>
         </p:txBody>
       </p:sp>
+      <p:pic>
+        <p:nvPicPr>
+          <p:cNvPr id="5" name="Picture 4">
+            <a:extLst>
+              <a:ext uri="{FF2B5EF4-FFF2-40B4-BE49-F238E27FC236}">
+                <a16:creationId xmlns:a16="http://schemas.microsoft.com/office/drawing/2014/main" id="{FFD00E3F-2563-42C7-B780-94F817D82A25}"/>
+              </a:ext>
+            </a:extLst>
+          </p:cNvPr>
+          <p:cNvPicPr>
+            <a:picLocks noChangeAspect="1"/>
+          </p:cNvPicPr>
+          <p:nvPr/>
+        </p:nvPicPr>
+        <p:blipFill>
+          <a:blip r:embed="rId2">
+            <a:extLst>
+              <a:ext uri="{28A0092B-C50C-407E-A947-70E740481C1C}">
+                <a14:useLocalDpi xmlns:a14="http://schemas.microsoft.com/office/drawing/2010/main" val="0"/>
+              </a:ext>
+            </a:extLst>
+          </a:blip>
+          <a:stretch>
+            <a:fillRect/>
+          </a:stretch>
+        </p:blipFill>
+        <p:spPr>
+          <a:xfrm>
+            <a:off x="8195686" y="3789608"/>
+            <a:ext cx="1974033" cy="1974033"/>
+          </a:xfrm>
+          <a:prstGeom prst="rect">
+            <a:avLst/>
+          </a:prstGeom>
+        </p:spPr>
+      </p:pic>
+      <p:pic>
+        <p:nvPicPr>
+          <p:cNvPr id="7" name="Picture 6">
+            <a:extLst>
+              <a:ext uri="{FF2B5EF4-FFF2-40B4-BE49-F238E27FC236}">
+                <a16:creationId xmlns:a16="http://schemas.microsoft.com/office/drawing/2014/main" id="{B03DA73C-4C6D-4984-8875-FF9DB25C8A58}"/>
+              </a:ext>
+            </a:extLst>
+          </p:cNvPr>
+          <p:cNvPicPr>
+            <a:picLocks noChangeAspect="1"/>
+          </p:cNvPicPr>
+          <p:nvPr/>
+        </p:nvPicPr>
+        <p:blipFill>
+          <a:blip r:embed="rId3">
+            <a:extLst>
+              <a:ext uri="{28A0092B-C50C-407E-A947-70E740481C1C}">
+                <a14:useLocalDpi xmlns:a14="http://schemas.microsoft.com/office/drawing/2010/main" val="0"/>
+              </a:ext>
+            </a:extLst>
+          </a:blip>
+          <a:stretch>
+            <a:fillRect/>
+          </a:stretch>
+        </p:blipFill>
+        <p:spPr>
+          <a:xfrm>
+            <a:off x="4723128" y="3712921"/>
+            <a:ext cx="2127409" cy="2127409"/>
+          </a:xfrm>
+          <a:prstGeom prst="rect">
+            <a:avLst/>
+          </a:prstGeom>
+        </p:spPr>
+      </p:pic>
+      <p:pic>
+        <p:nvPicPr>
+          <p:cNvPr id="9" name="Picture 8">
+            <a:extLst>
+              <a:ext uri="{FF2B5EF4-FFF2-40B4-BE49-F238E27FC236}">
+                <a16:creationId xmlns:a16="http://schemas.microsoft.com/office/drawing/2014/main" id="{DD9ECAC5-998A-4682-92E1-A1C73AA716E6}"/>
+              </a:ext>
+            </a:extLst>
+          </p:cNvPr>
+          <p:cNvPicPr>
+            <a:picLocks noChangeAspect="1"/>
+          </p:cNvPicPr>
+          <p:nvPr/>
+        </p:nvPicPr>
+        <p:blipFill>
+          <a:blip r:embed="rId4">
+            <a:extLst>
+              <a:ext uri="{28A0092B-C50C-407E-A947-70E740481C1C}">
+                <a14:useLocalDpi xmlns:a14="http://schemas.microsoft.com/office/drawing/2010/main" val="0"/>
+              </a:ext>
+            </a:extLst>
+          </a:blip>
+          <a:stretch>
+            <a:fillRect/>
+          </a:stretch>
+        </p:blipFill>
+        <p:spPr>
+          <a:xfrm>
+            <a:off x="1041621" y="3712921"/>
+            <a:ext cx="2122998" cy="2122998"/>
+          </a:xfrm>
+          <a:prstGeom prst="rect">
+            <a:avLst/>
+          </a:prstGeom>
+        </p:spPr>
+      </p:pic>
     </p:spTree>
     <p:extLst>
       <p:ext uri="{BB962C8B-B14F-4D97-AF65-F5344CB8AC3E}">
@@ -3441,276 +3547,6 @@
           <a:p>
             <a:r>
               <a:rPr lang="en-US" dirty="0"/>
-              <a:t>Figure 4d – Comparison to real gene expression data along each pathway.</a:t>
-            </a:r>
-          </a:p>
-        </p:txBody>
-      </p:sp>
-      <p:pic>
-        <p:nvPicPr>
-          <p:cNvPr id="4" name="Picture 3">
-            <a:extLst>
-              <a:ext uri="{FF2B5EF4-FFF2-40B4-BE49-F238E27FC236}">
-                <a16:creationId xmlns:a16="http://schemas.microsoft.com/office/drawing/2014/main" id="{58912554-9CEF-48BB-A59E-8656FFD872B6}"/>
-              </a:ext>
-            </a:extLst>
-          </p:cNvPr>
-          <p:cNvPicPr>
-            <a:picLocks noChangeAspect="1"/>
-          </p:cNvPicPr>
-          <p:nvPr/>
-        </p:nvPicPr>
-        <p:blipFill>
-          <a:blip r:embed="rId2">
-            <a:extLst>
-              <a:ext uri="{28A0092B-C50C-407E-A947-70E740481C1C}">
-                <a14:useLocalDpi xmlns:a14="http://schemas.microsoft.com/office/drawing/2010/main" val="0"/>
-              </a:ext>
-            </a:extLst>
-          </a:blip>
-          <a:stretch>
-            <a:fillRect/>
-          </a:stretch>
-        </p:blipFill>
-        <p:spPr>
-          <a:xfrm>
-            <a:off x="1299411" y="1656348"/>
-            <a:ext cx="4572000" cy="4572000"/>
-          </a:xfrm>
-          <a:prstGeom prst="rect">
-            <a:avLst/>
-          </a:prstGeom>
-        </p:spPr>
-      </p:pic>
-      <p:sp>
-        <p:nvSpPr>
-          <p:cNvPr id="2" name="TextBox 1">
-            <a:extLst>
-              <a:ext uri="{FF2B5EF4-FFF2-40B4-BE49-F238E27FC236}">
-                <a16:creationId xmlns:a16="http://schemas.microsoft.com/office/drawing/2014/main" id="{89379B39-3B6A-4B2D-8F92-12A660916312}"/>
-              </a:ext>
-            </a:extLst>
-          </p:cNvPr>
-          <p:cNvSpPr txBox="1"/>
-          <p:nvPr/>
-        </p:nvSpPr>
-        <p:spPr>
-          <a:xfrm>
-            <a:off x="2717800" y="1282700"/>
-            <a:ext cx="1122615" cy="369332"/>
-          </a:xfrm>
-          <a:prstGeom prst="rect">
-            <a:avLst/>
-          </a:prstGeom>
-          <a:noFill/>
-        </p:spPr>
-        <p:txBody>
-          <a:bodyPr wrap="none" rtlCol="0">
-            <a:spAutoFit/>
-          </a:bodyPr>
-          <a:lstStyle/>
-          <a:p>
-            <a:r>
-              <a:rPr lang="en-US" dirty="0"/>
-              <a:t>Simulated</a:t>
-            </a:r>
-          </a:p>
-        </p:txBody>
-      </p:sp>
-      <p:pic>
-        <p:nvPicPr>
-          <p:cNvPr id="5" name="Picture 4">
-            <a:extLst>
-              <a:ext uri="{FF2B5EF4-FFF2-40B4-BE49-F238E27FC236}">
-                <a16:creationId xmlns:a16="http://schemas.microsoft.com/office/drawing/2014/main" id="{2411B783-A7B7-42A9-93F6-AEF427C90CA5}"/>
-              </a:ext>
-            </a:extLst>
-          </p:cNvPr>
-          <p:cNvPicPr>
-            <a:picLocks noChangeAspect="1"/>
-          </p:cNvPicPr>
-          <p:nvPr/>
-        </p:nvPicPr>
-        <p:blipFill>
-          <a:blip r:embed="rId3">
-            <a:extLst>
-              <a:ext uri="{28A0092B-C50C-407E-A947-70E740481C1C}">
-                <a14:useLocalDpi xmlns:a14="http://schemas.microsoft.com/office/drawing/2010/main" val="0"/>
-              </a:ext>
-            </a:extLst>
-          </a:blip>
-          <a:stretch>
-            <a:fillRect/>
-          </a:stretch>
-        </p:blipFill>
-        <p:spPr>
-          <a:xfrm>
-            <a:off x="6537157" y="1528011"/>
-            <a:ext cx="4572000" cy="4572000"/>
-          </a:xfrm>
-          <a:prstGeom prst="rect">
-            <a:avLst/>
-          </a:prstGeom>
-        </p:spPr>
-      </p:pic>
-      <p:sp>
-        <p:nvSpPr>
-          <p:cNvPr id="7" name="TextBox 6">
-            <a:extLst>
-              <a:ext uri="{FF2B5EF4-FFF2-40B4-BE49-F238E27FC236}">
-                <a16:creationId xmlns:a16="http://schemas.microsoft.com/office/drawing/2014/main" id="{C10A312D-BC65-426A-9F64-9BD9574E71E1}"/>
-              </a:ext>
-            </a:extLst>
-          </p:cNvPr>
-          <p:cNvSpPr txBox="1"/>
-          <p:nvPr/>
-        </p:nvSpPr>
-        <p:spPr>
-          <a:xfrm>
-            <a:off x="8953500" y="1282700"/>
-            <a:ext cx="584584" cy="369332"/>
-          </a:xfrm>
-          <a:prstGeom prst="rect">
-            <a:avLst/>
-          </a:prstGeom>
-          <a:noFill/>
-        </p:spPr>
-        <p:txBody>
-          <a:bodyPr wrap="none" rtlCol="0">
-            <a:spAutoFit/>
-          </a:bodyPr>
-          <a:lstStyle/>
-          <a:p>
-            <a:r>
-              <a:rPr lang="en-US" dirty="0"/>
-              <a:t>Real</a:t>
-            </a:r>
-          </a:p>
-        </p:txBody>
-      </p:sp>
-    </p:spTree>
-    <p:extLst>
-      <p:ext uri="{BB962C8B-B14F-4D97-AF65-F5344CB8AC3E}">
-        <p14:creationId xmlns:p14="http://schemas.microsoft.com/office/powerpoint/2010/main" val="762086894"/>
-      </p:ext>
-    </p:extLst>
-  </p:cSld>
-  <p:clrMapOvr>
-    <a:masterClrMapping/>
-  </p:clrMapOvr>
-</p:sld>
-</file>
-
-<file path=ppt/slides/slide11.xml><?xml version="1.0" encoding="utf-8"?>
-<p:sld xmlns:a="http://schemas.openxmlformats.org/drawingml/2006/main" xmlns:r="http://schemas.openxmlformats.org/officeDocument/2006/relationships" xmlns:p="http://schemas.openxmlformats.org/presentationml/2006/main">
-  <p:cSld>
-    <p:spTree>
-      <p:nvGrpSpPr>
-        <p:cNvPr id="1" name=""/>
-        <p:cNvGrpSpPr/>
-        <p:nvPr/>
-      </p:nvGrpSpPr>
-      <p:grpSpPr>
-        <a:xfrm>
-          <a:off x="0" y="0"/>
-          <a:ext cx="0" cy="0"/>
-          <a:chOff x="0" y="0"/>
-          <a:chExt cx="0" cy="0"/>
-        </a:xfrm>
-      </p:grpSpPr>
-      <p:sp>
-        <p:nvSpPr>
-          <p:cNvPr id="3" name="Subtitle 2">
-            <a:extLst>
-              <a:ext uri="{FF2B5EF4-FFF2-40B4-BE49-F238E27FC236}">
-                <a16:creationId xmlns:a16="http://schemas.microsoft.com/office/drawing/2014/main" id="{2311FD7B-7F76-41DA-A137-1AA3D3941B0F}"/>
-              </a:ext>
-            </a:extLst>
-          </p:cNvPr>
-          <p:cNvSpPr>
-            <a:spLocks noGrp="1"/>
-          </p:cNvSpPr>
-          <p:nvPr>
-            <p:ph type="subTitle" idx="1"/>
-          </p:nvPr>
-        </p:nvSpPr>
-        <p:spPr>
-          <a:xfrm>
-            <a:off x="1299411" y="521953"/>
-            <a:ext cx="9448800" cy="1178509"/>
-          </a:xfrm>
-        </p:spPr>
-        <p:txBody>
-          <a:bodyPr>
-            <a:normAutofit/>
-          </a:bodyPr>
-          <a:lstStyle/>
-          <a:p>
-            <a:r>
-              <a:rPr lang="en-US" dirty="0"/>
-              <a:t>Figure 5a – Difference in population variance between one cell type with a high individual variance in growth, and two cell types with different means and low individual variance in growth</a:t>
-            </a:r>
-          </a:p>
-        </p:txBody>
-      </p:sp>
-    </p:spTree>
-    <p:extLst>
-      <p:ext uri="{BB962C8B-B14F-4D97-AF65-F5344CB8AC3E}">
-        <p14:creationId xmlns:p14="http://schemas.microsoft.com/office/powerpoint/2010/main" val="3264580045"/>
-      </p:ext>
-    </p:extLst>
-  </p:cSld>
-  <p:clrMapOvr>
-    <a:masterClrMapping/>
-  </p:clrMapOvr>
-</p:sld>
-</file>
-
-<file path=ppt/slides/slide12.xml><?xml version="1.0" encoding="utf-8"?>
-<p:sld xmlns:a="http://schemas.openxmlformats.org/drawingml/2006/main" xmlns:r="http://schemas.openxmlformats.org/officeDocument/2006/relationships" xmlns:p="http://schemas.openxmlformats.org/presentationml/2006/main">
-  <p:cSld>
-    <p:spTree>
-      <p:nvGrpSpPr>
-        <p:cNvPr id="1" name=""/>
-        <p:cNvGrpSpPr/>
-        <p:nvPr/>
-      </p:nvGrpSpPr>
-      <p:grpSpPr>
-        <a:xfrm>
-          <a:off x="0" y="0"/>
-          <a:ext cx="0" cy="0"/>
-          <a:chOff x="0" y="0"/>
-          <a:chExt cx="0" cy="0"/>
-        </a:xfrm>
-      </p:grpSpPr>
-      <p:sp>
-        <p:nvSpPr>
-          <p:cNvPr id="3" name="Subtitle 2">
-            <a:extLst>
-              <a:ext uri="{FF2B5EF4-FFF2-40B4-BE49-F238E27FC236}">
-                <a16:creationId xmlns:a16="http://schemas.microsoft.com/office/drawing/2014/main" id="{2311FD7B-7F76-41DA-A137-1AA3D3941B0F}"/>
-              </a:ext>
-            </a:extLst>
-          </p:cNvPr>
-          <p:cNvSpPr>
-            <a:spLocks noGrp="1"/>
-          </p:cNvSpPr>
-          <p:nvPr>
-            <p:ph type="subTitle" idx="1"/>
-          </p:nvPr>
-        </p:nvSpPr>
-        <p:spPr>
-          <a:xfrm>
-            <a:off x="1299411" y="521954"/>
-            <a:ext cx="9448800" cy="921836"/>
-          </a:xfrm>
-        </p:spPr>
-        <p:txBody>
-          <a:bodyPr/>
-          <a:lstStyle/>
-          <a:p>
-            <a:r>
-              <a:rPr lang="en-US" dirty="0"/>
               <a:t>Figure 5b – Multiple cell types mirrors variance seen in real data</a:t>
             </a:r>
           </a:p>
@@ -3789,7 +3625,7 @@
 </p:sld>
 </file>
 
-<file path=ppt/slides/slide13.xml><?xml version="1.0" encoding="utf-8"?>
+<file path=ppt/slides/slide11.xml><?xml version="1.0" encoding="utf-8"?>
 <p:sld xmlns:a="http://schemas.openxmlformats.org/drawingml/2006/main" xmlns:r="http://schemas.openxmlformats.org/officeDocument/2006/relationships" xmlns:p="http://schemas.openxmlformats.org/presentationml/2006/main">
   <p:cSld>
     <p:spTree>
@@ -3913,23 +3749,51 @@
           <a:p>
             <a:r>
               <a:rPr lang="en-US" dirty="0"/>
-              <a:t>Figure 1b – Adaptation from </a:t>
-            </a:r>
-            <a:r>
-              <a:rPr lang="en-US" dirty="0" err="1"/>
-              <a:t>Drasdo-Hohme</a:t>
-            </a:r>
-            <a:r>
-              <a:rPr lang="en-US" dirty="0"/>
-              <a:t> of how the model works</a:t>
-            </a:r>
-          </a:p>
-        </p:txBody>
-      </p:sp>
+              <a:t>Figure 2a – Multiple growth rates in boundary and no boundary </a:t>
+            </a:r>
+          </a:p>
+        </p:txBody>
+      </p:sp>
+      <p:pic>
+        <p:nvPicPr>
+          <p:cNvPr id="4" name="Picture 3">
+            <a:extLst>
+              <a:ext uri="{FF2B5EF4-FFF2-40B4-BE49-F238E27FC236}">
+                <a16:creationId xmlns:a16="http://schemas.microsoft.com/office/drawing/2014/main" id="{C9AB895E-DD38-4435-9805-894616F9E40E}"/>
+              </a:ext>
+            </a:extLst>
+          </p:cNvPr>
+          <p:cNvPicPr>
+            <a:picLocks noChangeAspect="1"/>
+          </p:cNvPicPr>
+          <p:nvPr/>
+        </p:nvPicPr>
+        <p:blipFill>
+          <a:blip r:embed="rId2">
+            <a:extLst>
+              <a:ext uri="{28A0092B-C50C-407E-A947-70E740481C1C}">
+                <a14:useLocalDpi xmlns:a14="http://schemas.microsoft.com/office/drawing/2010/main" val="0"/>
+              </a:ext>
+            </a:extLst>
+          </a:blip>
+          <a:stretch>
+            <a:fillRect/>
+          </a:stretch>
+        </p:blipFill>
+        <p:spPr>
+          <a:xfrm>
+            <a:off x="3352800" y="1106905"/>
+            <a:ext cx="5342021" cy="5342021"/>
+          </a:xfrm>
+          <a:prstGeom prst="rect">
+            <a:avLst/>
+          </a:prstGeom>
+        </p:spPr>
+      </p:pic>
     </p:spTree>
     <p:extLst>
       <p:ext uri="{BB962C8B-B14F-4D97-AF65-F5344CB8AC3E}">
-        <p14:creationId xmlns:p14="http://schemas.microsoft.com/office/powerpoint/2010/main" val="4170453205"/>
+        <p14:creationId xmlns:p14="http://schemas.microsoft.com/office/powerpoint/2010/main" val="267774341"/>
       </p:ext>
     </p:extLst>
   </p:cSld>
@@ -3984,23 +3848,51 @@
           <a:p>
             <a:r>
               <a:rPr lang="en-US" dirty="0"/>
-              <a:t>Figure 1c – </a:t>
-            </a:r>
-            <a:r>
-              <a:rPr lang="en-US" dirty="0" err="1"/>
-              <a:t>Heirarchy</a:t>
-            </a:r>
-            <a:r>
-              <a:rPr lang="en-US" dirty="0"/>
-              <a:t> of the model and what can be replaced</a:t>
-            </a:r>
-          </a:p>
-        </p:txBody>
-      </p:sp>
+              <a:t>Figure 2b – Show density over time in both bounded and unbounded</a:t>
+            </a:r>
+          </a:p>
+        </p:txBody>
+      </p:sp>
+      <p:pic>
+        <p:nvPicPr>
+          <p:cNvPr id="4" name="Content Placeholder 4">
+            <a:extLst>
+              <a:ext uri="{FF2B5EF4-FFF2-40B4-BE49-F238E27FC236}">
+                <a16:creationId xmlns:a16="http://schemas.microsoft.com/office/drawing/2014/main" id="{1B9F5FA0-9659-41CE-86BC-6DC45CFABF0C}"/>
+              </a:ext>
+            </a:extLst>
+          </p:cNvPr>
+          <p:cNvPicPr>
+            <a:picLocks noChangeAspect="1"/>
+          </p:cNvPicPr>
+          <p:nvPr/>
+        </p:nvPicPr>
+        <p:blipFill>
+          <a:blip r:embed="rId2">
+            <a:extLst>
+              <a:ext uri="{28A0092B-C50C-407E-A947-70E740481C1C}">
+                <a14:useLocalDpi xmlns:a14="http://schemas.microsoft.com/office/drawing/2010/main" val="0"/>
+              </a:ext>
+            </a:extLst>
+          </a:blip>
+          <a:stretch>
+            <a:fillRect/>
+          </a:stretch>
+        </p:blipFill>
+        <p:spPr>
+          <a:xfrm>
+            <a:off x="3304026" y="1152524"/>
+            <a:ext cx="5439569" cy="5439569"/>
+          </a:xfrm>
+          <a:prstGeom prst="rect">
+            <a:avLst/>
+          </a:prstGeom>
+        </p:spPr>
+      </p:pic>
     </p:spTree>
     <p:extLst>
       <p:ext uri="{BB962C8B-B14F-4D97-AF65-F5344CB8AC3E}">
-        <p14:creationId xmlns:p14="http://schemas.microsoft.com/office/powerpoint/2010/main" val="3452467597"/>
+        <p14:creationId xmlns:p14="http://schemas.microsoft.com/office/powerpoint/2010/main" val="4150090223"/>
       </p:ext>
     </p:extLst>
   </p:cSld>
@@ -4046,26 +3938,31 @@
         <p:spPr>
           <a:xfrm>
             <a:off x="1299411" y="521954"/>
-            <a:ext cx="9448800" cy="921836"/>
-          </a:xfrm>
-        </p:spPr>
-        <p:txBody>
-          <a:bodyPr/>
+            <a:ext cx="9448800" cy="1294146"/>
+          </a:xfrm>
+        </p:spPr>
+        <p:txBody>
+          <a:bodyPr>
+            <a:normAutofit fontScale="92500" lnSpcReduction="10000"/>
+          </a:bodyPr>
           <a:lstStyle/>
           <a:p>
             <a:r>
               <a:rPr lang="en-US" dirty="0"/>
-              <a:t>Figure 2a – Multiple growth rates in boundary and no boundary </a:t>
-            </a:r>
+              <a:t>Figure 3 – Real Data from experiment plotted with points, simulation fits plotted with lines. PBS fitted from all simulations without drug effect, then initial density and cycle length are fixed and all drug simulations are fit with some drug effect. Fit done by minimizing L2.</a:t>
+            </a:r>
+          </a:p>
+          <a:p>
+            <a:endParaRPr lang="en-US" dirty="0"/>
           </a:p>
         </p:txBody>
       </p:sp>
       <p:pic>
         <p:nvPicPr>
-          <p:cNvPr id="4" name="Picture 3">
-            <a:extLst>
-              <a:ext uri="{FF2B5EF4-FFF2-40B4-BE49-F238E27FC236}">
-                <a16:creationId xmlns:a16="http://schemas.microsoft.com/office/drawing/2014/main" id="{C9AB895E-DD38-4435-9805-894616F9E40E}"/>
+          <p:cNvPr id="4" name="Content Placeholder 4">
+            <a:extLst>
+              <a:ext uri="{FF2B5EF4-FFF2-40B4-BE49-F238E27FC236}">
+                <a16:creationId xmlns:a16="http://schemas.microsoft.com/office/drawing/2014/main" id="{EE159585-241B-4A38-A8E3-F2ADD77AD8D7}"/>
               </a:ext>
             </a:extLst>
           </p:cNvPr>
@@ -4088,8 +3985,8 @@
         </p:blipFill>
         <p:spPr>
           <a:xfrm>
-            <a:off x="3352800" y="1106905"/>
-            <a:ext cx="5342021" cy="5342021"/>
+            <a:off x="3604482" y="1701800"/>
+            <a:ext cx="4838658" cy="4838658"/>
           </a:xfrm>
           <a:prstGeom prst="rect">
             <a:avLst/>
@@ -4099,7 +3996,7 @@
     </p:spTree>
     <p:extLst>
       <p:ext uri="{BB962C8B-B14F-4D97-AF65-F5344CB8AC3E}">
-        <p14:creationId xmlns:p14="http://schemas.microsoft.com/office/powerpoint/2010/main" val="267774341"/>
+        <p14:creationId xmlns:p14="http://schemas.microsoft.com/office/powerpoint/2010/main" val="4029275036"/>
       </p:ext>
     </p:extLst>
   </p:cSld>
@@ -4154,51 +4051,15 @@
           <a:p>
             <a:r>
               <a:rPr lang="en-US" dirty="0"/>
-              <a:t>Figure 2b – Show density over time in both bounded and unbounded</a:t>
-            </a:r>
-          </a:p>
-        </p:txBody>
-      </p:sp>
-      <p:pic>
-        <p:nvPicPr>
-          <p:cNvPr id="4" name="Content Placeholder 4">
-            <a:extLst>
-              <a:ext uri="{FF2B5EF4-FFF2-40B4-BE49-F238E27FC236}">
-                <a16:creationId xmlns:a16="http://schemas.microsoft.com/office/drawing/2014/main" id="{1B9F5FA0-9659-41CE-86BC-6DC45CFABF0C}"/>
-              </a:ext>
-            </a:extLst>
-          </p:cNvPr>
-          <p:cNvPicPr>
-            <a:picLocks noChangeAspect="1"/>
-          </p:cNvPicPr>
-          <p:nvPr/>
-        </p:nvPicPr>
-        <p:blipFill>
-          <a:blip r:embed="rId2">
-            <a:extLst>
-              <a:ext uri="{28A0092B-C50C-407E-A947-70E740481C1C}">
-                <a14:useLocalDpi xmlns:a14="http://schemas.microsoft.com/office/drawing/2010/main" val="0"/>
-              </a:ext>
-            </a:extLst>
-          </a:blip>
-          <a:stretch>
-            <a:fillRect/>
-          </a:stretch>
-        </p:blipFill>
-        <p:spPr>
-          <a:xfrm>
-            <a:off x="3304026" y="1152524"/>
-            <a:ext cx="5439569" cy="5439569"/>
-          </a:xfrm>
-          <a:prstGeom prst="rect">
-            <a:avLst/>
-          </a:prstGeom>
-        </p:spPr>
-      </p:pic>
+              <a:t>Figure 4a – Cartoon overview of how we simulate gene expression.</a:t>
+            </a:r>
+          </a:p>
+        </p:txBody>
+      </p:sp>
     </p:spTree>
     <p:extLst>
       <p:ext uri="{BB962C8B-B14F-4D97-AF65-F5344CB8AC3E}">
-        <p14:creationId xmlns:p14="http://schemas.microsoft.com/office/powerpoint/2010/main" val="4150090223"/>
+        <p14:creationId xmlns:p14="http://schemas.microsoft.com/office/powerpoint/2010/main" val="21515431"/>
       </p:ext>
     </p:extLst>
   </p:cSld>
@@ -4244,65 +4105,32 @@
         <p:spPr>
           <a:xfrm>
             <a:off x="1299411" y="521954"/>
-            <a:ext cx="9448800" cy="1294146"/>
-          </a:xfrm>
-        </p:spPr>
-        <p:txBody>
-          <a:bodyPr>
-            <a:normAutofit fontScale="92500" lnSpcReduction="10000"/>
-          </a:bodyPr>
+            <a:ext cx="9448800" cy="921836"/>
+          </a:xfrm>
+        </p:spPr>
+        <p:txBody>
+          <a:bodyPr/>
           <a:lstStyle/>
           <a:p>
             <a:r>
               <a:rPr lang="en-US" dirty="0"/>
-              <a:t>Figure 3 – Real Data from experiment plotted with points, simulation fits plotted with lines. PBS fitted from all simulations without drug effect, then initial density and cycle length are fixed and all drug simulations are fit with some drug effect. Fit done by minimizing L2.</a:t>
-            </a:r>
-          </a:p>
-          <a:p>
-            <a:endParaRPr lang="en-US" dirty="0"/>
-          </a:p>
-        </p:txBody>
-      </p:sp>
-      <p:pic>
-        <p:nvPicPr>
-          <p:cNvPr id="4" name="Content Placeholder 4">
-            <a:extLst>
-              <a:ext uri="{FF2B5EF4-FFF2-40B4-BE49-F238E27FC236}">
-                <a16:creationId xmlns:a16="http://schemas.microsoft.com/office/drawing/2014/main" id="{EE159585-241B-4A38-A8E3-F2ADD77AD8D7}"/>
-              </a:ext>
-            </a:extLst>
-          </p:cNvPr>
-          <p:cNvPicPr>
-            <a:picLocks noChangeAspect="1"/>
-          </p:cNvPicPr>
-          <p:nvPr/>
-        </p:nvPicPr>
-        <p:blipFill>
-          <a:blip r:embed="rId2">
-            <a:extLst>
-              <a:ext uri="{28A0092B-C50C-407E-A947-70E740481C1C}">
-                <a14:useLocalDpi xmlns:a14="http://schemas.microsoft.com/office/drawing/2010/main" val="0"/>
-              </a:ext>
-            </a:extLst>
-          </a:blip>
-          <a:stretch>
-            <a:fillRect/>
-          </a:stretch>
-        </p:blipFill>
-        <p:spPr>
-          <a:xfrm>
-            <a:off x="3604482" y="1701800"/>
-            <a:ext cx="4838658" cy="4838658"/>
-          </a:xfrm>
-          <a:prstGeom prst="rect">
-            <a:avLst/>
-          </a:prstGeom>
-        </p:spPr>
-      </p:pic>
+              <a:t>Figure 4b – Illustrating how the scaling varies between 0 to 1 for each pathway. (</a:t>
+            </a:r>
+            <a:r>
+              <a:rPr lang="en-US" dirty="0" err="1"/>
+              <a:t>supp</a:t>
+            </a:r>
+            <a:r>
+              <a:rPr lang="en-US" dirty="0"/>
+              <a:t>)</a:t>
+            </a:r>
+          </a:p>
+        </p:txBody>
+      </p:sp>
     </p:spTree>
     <p:extLst>
       <p:ext uri="{BB962C8B-B14F-4D97-AF65-F5344CB8AC3E}">
-        <p14:creationId xmlns:p14="http://schemas.microsoft.com/office/powerpoint/2010/main" val="4029275036"/>
+        <p14:creationId xmlns:p14="http://schemas.microsoft.com/office/powerpoint/2010/main" val="3100683960"/>
       </p:ext>
     </p:extLst>
   </p:cSld>
@@ -4348,24 +4176,70 @@
         <p:spPr>
           <a:xfrm>
             <a:off x="1299411" y="521954"/>
-            <a:ext cx="9448800" cy="921836"/>
-          </a:xfrm>
-        </p:spPr>
-        <p:txBody>
-          <a:bodyPr/>
+            <a:ext cx="9448800" cy="1522746"/>
+          </a:xfrm>
+        </p:spPr>
+        <p:txBody>
+          <a:bodyPr>
+            <a:normAutofit/>
+          </a:bodyPr>
           <a:lstStyle/>
           <a:p>
             <a:r>
               <a:rPr lang="en-US" dirty="0"/>
-              <a:t>Figure 4a – Cartoon overview of how we simulate gene expression.</a:t>
-            </a:r>
-          </a:p>
-        </p:txBody>
-      </p:sp>
+              <a:t>Figure 4c – Pick one dosage (10 um/mL) from </a:t>
+            </a:r>
+            <a:r>
+              <a:rPr lang="en-US" b="1" dirty="0"/>
+              <a:t>Figure 3</a:t>
+            </a:r>
+            <a:r>
+              <a:rPr lang="en-US" dirty="0"/>
+              <a:t> and plot each of the effective pathways vs time for that selection. Y-axis is % of pathway activity and all pathways can be plotted together. Show difference in pathways for drug effect.</a:t>
+            </a:r>
+          </a:p>
+        </p:txBody>
+      </p:sp>
+      <p:pic>
+        <p:nvPicPr>
+          <p:cNvPr id="4" name="Content Placeholder 4">
+            <a:extLst>
+              <a:ext uri="{FF2B5EF4-FFF2-40B4-BE49-F238E27FC236}">
+                <a16:creationId xmlns:a16="http://schemas.microsoft.com/office/drawing/2014/main" id="{CE692BCC-60C8-4FAD-9F14-96B552BE590B}"/>
+              </a:ext>
+            </a:extLst>
+          </p:cNvPr>
+          <p:cNvPicPr>
+            <a:picLocks noChangeAspect="1"/>
+          </p:cNvPicPr>
+          <p:nvPr/>
+        </p:nvPicPr>
+        <p:blipFill>
+          <a:blip r:embed="rId2">
+            <a:extLst>
+              <a:ext uri="{28A0092B-C50C-407E-A947-70E740481C1C}">
+                <a14:useLocalDpi xmlns:a14="http://schemas.microsoft.com/office/drawing/2010/main" val="0"/>
+              </a:ext>
+            </a:extLst>
+          </a:blip>
+          <a:stretch>
+            <a:fillRect/>
+          </a:stretch>
+        </p:blipFill>
+        <p:spPr>
+          <a:xfrm>
+            <a:off x="3848142" y="1939925"/>
+            <a:ext cx="4813258" cy="4813258"/>
+          </a:xfrm>
+          <a:prstGeom prst="rect">
+            <a:avLst/>
+          </a:prstGeom>
+        </p:spPr>
+      </p:pic>
     </p:spTree>
     <p:extLst>
       <p:ext uri="{BB962C8B-B14F-4D97-AF65-F5344CB8AC3E}">
-        <p14:creationId xmlns:p14="http://schemas.microsoft.com/office/powerpoint/2010/main" val="21515431"/>
+        <p14:creationId xmlns:p14="http://schemas.microsoft.com/office/powerpoint/2010/main" val="4268960897"/>
       </p:ext>
     </p:extLst>
   </p:cSld>
@@ -4415,12 +4289,179 @@
           </a:xfrm>
         </p:spPr>
         <p:txBody>
-          <a:bodyPr/>
+          <a:bodyPr>
+            <a:normAutofit fontScale="70000" lnSpcReduction="20000"/>
+          </a:bodyPr>
           <a:lstStyle/>
           <a:p>
             <a:r>
               <a:rPr lang="en-US" dirty="0"/>
-              <a:t>Figure 4b – Illustrating how the scaling varies between 0 to 1 for each pathway.</a:t>
+              <a:t>Figure 4d – Comparison to real gene expression data along each pathway. Subset real data</a:t>
+            </a:r>
+          </a:p>
+          <a:p>
+            <a:r>
+              <a:rPr lang="en-US" dirty="0"/>
+              <a:t>Thought: either do a </a:t>
+            </a:r>
+            <a:r>
+              <a:rPr lang="en-US" dirty="0" err="1"/>
+              <a:t>dendrogam</a:t>
+            </a:r>
+            <a:r>
+              <a:rPr lang="en-US" dirty="0"/>
+              <a:t> / clustering to compare sample to sample and/or </a:t>
+            </a:r>
+          </a:p>
+          <a:p>
+            <a:r>
+              <a:rPr lang="en-US" dirty="0"/>
+              <a:t>A GSEA analysis on pathways based on correlation stats for real and simulated data</a:t>
+            </a:r>
+          </a:p>
+          <a:p>
+            <a:endParaRPr lang="en-US" dirty="0"/>
+          </a:p>
+        </p:txBody>
+      </p:sp>
+      <p:pic>
+        <p:nvPicPr>
+          <p:cNvPr id="4" name="Picture 3">
+            <a:extLst>
+              <a:ext uri="{FF2B5EF4-FFF2-40B4-BE49-F238E27FC236}">
+                <a16:creationId xmlns:a16="http://schemas.microsoft.com/office/drawing/2014/main" id="{58912554-9CEF-48BB-A59E-8656FFD872B6}"/>
+              </a:ext>
+            </a:extLst>
+          </p:cNvPr>
+          <p:cNvPicPr>
+            <a:picLocks noChangeAspect="1"/>
+          </p:cNvPicPr>
+          <p:nvPr/>
+        </p:nvPicPr>
+        <p:blipFill>
+          <a:blip r:embed="rId2">
+            <a:extLst>
+              <a:ext uri="{28A0092B-C50C-407E-A947-70E740481C1C}">
+                <a14:useLocalDpi xmlns:a14="http://schemas.microsoft.com/office/drawing/2010/main" val="0"/>
+              </a:ext>
+            </a:extLst>
+          </a:blip>
+          <a:stretch>
+            <a:fillRect/>
+          </a:stretch>
+        </p:blipFill>
+        <p:spPr>
+          <a:xfrm>
+            <a:off x="1299411" y="1656348"/>
+            <a:ext cx="4572000" cy="4572000"/>
+          </a:xfrm>
+          <a:prstGeom prst="rect">
+            <a:avLst/>
+          </a:prstGeom>
+        </p:spPr>
+      </p:pic>
+      <p:sp>
+        <p:nvSpPr>
+          <p:cNvPr id="2" name="TextBox 1">
+            <a:extLst>
+              <a:ext uri="{FF2B5EF4-FFF2-40B4-BE49-F238E27FC236}">
+                <a16:creationId xmlns:a16="http://schemas.microsoft.com/office/drawing/2014/main" id="{89379B39-3B6A-4B2D-8F92-12A660916312}"/>
+              </a:ext>
+            </a:extLst>
+          </p:cNvPr>
+          <p:cNvSpPr txBox="1"/>
+          <p:nvPr/>
+        </p:nvSpPr>
+        <p:spPr>
+          <a:xfrm>
+            <a:off x="2717800" y="1282700"/>
+            <a:ext cx="1686872" cy="369332"/>
+          </a:xfrm>
+          <a:prstGeom prst="rect">
+            <a:avLst/>
+          </a:prstGeom>
+          <a:noFill/>
+        </p:spPr>
+        <p:txBody>
+          <a:bodyPr wrap="none" rtlCol="0">
+            <a:spAutoFit/>
+          </a:bodyPr>
+          <a:lstStyle/>
+          <a:p>
+            <a:r>
+              <a:rPr lang="en-US" dirty="0"/>
+              <a:t>Simulated, Drug</a:t>
+            </a:r>
+          </a:p>
+        </p:txBody>
+      </p:sp>
+      <p:pic>
+        <p:nvPicPr>
+          <p:cNvPr id="5" name="Picture 4">
+            <a:extLst>
+              <a:ext uri="{FF2B5EF4-FFF2-40B4-BE49-F238E27FC236}">
+                <a16:creationId xmlns:a16="http://schemas.microsoft.com/office/drawing/2014/main" id="{2411B783-A7B7-42A9-93F6-AEF427C90CA5}"/>
+              </a:ext>
+            </a:extLst>
+          </p:cNvPr>
+          <p:cNvPicPr>
+            <a:picLocks noChangeAspect="1"/>
+          </p:cNvPicPr>
+          <p:nvPr/>
+        </p:nvPicPr>
+        <p:blipFill>
+          <a:blip r:embed="rId3">
+            <a:extLst>
+              <a:ext uri="{28A0092B-C50C-407E-A947-70E740481C1C}">
+                <a14:useLocalDpi xmlns:a14="http://schemas.microsoft.com/office/drawing/2010/main" val="0"/>
+              </a:ext>
+            </a:extLst>
+          </a:blip>
+          <a:stretch>
+            <a:fillRect/>
+          </a:stretch>
+        </p:blipFill>
+        <p:spPr>
+          <a:xfrm>
+            <a:off x="6537157" y="1528011"/>
+            <a:ext cx="4572000" cy="4572000"/>
+          </a:xfrm>
+          <a:prstGeom prst="rect">
+            <a:avLst/>
+          </a:prstGeom>
+        </p:spPr>
+      </p:pic>
+      <p:sp>
+        <p:nvSpPr>
+          <p:cNvPr id="7" name="TextBox 6">
+            <a:extLst>
+              <a:ext uri="{FF2B5EF4-FFF2-40B4-BE49-F238E27FC236}">
+                <a16:creationId xmlns:a16="http://schemas.microsoft.com/office/drawing/2014/main" id="{C10A312D-BC65-426A-9F64-9BD9574E71E1}"/>
+              </a:ext>
+            </a:extLst>
+          </p:cNvPr>
+          <p:cNvSpPr txBox="1"/>
+          <p:nvPr/>
+        </p:nvSpPr>
+        <p:spPr>
+          <a:xfrm>
+            <a:off x="8953500" y="1282700"/>
+            <a:ext cx="584584" cy="369332"/>
+          </a:xfrm>
+          <a:prstGeom prst="rect">
+            <a:avLst/>
+          </a:prstGeom>
+          <a:noFill/>
+        </p:spPr>
+        <p:txBody>
+          <a:bodyPr wrap="none" rtlCol="0">
+            <a:spAutoFit/>
+          </a:bodyPr>
+          <a:lstStyle/>
+          <a:p>
+            <a:r>
+              <a:rPr lang="en-US" dirty="0"/>
+              <a:t>Real</a:t>
             </a:r>
           </a:p>
         </p:txBody>
@@ -4428,7 +4469,7 @@
     </p:spTree>
     <p:extLst>
       <p:ext uri="{BB962C8B-B14F-4D97-AF65-F5344CB8AC3E}">
-        <p14:creationId xmlns:p14="http://schemas.microsoft.com/office/powerpoint/2010/main" val="3100683960"/>
+        <p14:creationId xmlns:p14="http://schemas.microsoft.com/office/powerpoint/2010/main" val="762086894"/>
       </p:ext>
     </p:extLst>
   </p:cSld>
@@ -4473,8 +4514,8 @@
         </p:nvSpPr>
         <p:spPr>
           <a:xfrm>
-            <a:off x="1299411" y="521954"/>
-            <a:ext cx="9448800" cy="1522746"/>
+            <a:off x="1299411" y="521953"/>
+            <a:ext cx="9448800" cy="1178509"/>
           </a:xfrm>
         </p:spPr>
         <p:txBody>
@@ -4485,25 +4526,17 @@
           <a:p>
             <a:r>
               <a:rPr lang="en-US" dirty="0"/>
-              <a:t>Figure 4c – Pick one dosage (10 um/mL) from </a:t>
-            </a:r>
-            <a:r>
-              <a:rPr lang="en-US" b="1" dirty="0"/>
-              <a:t>Figure 3</a:t>
-            </a:r>
-            <a:r>
-              <a:rPr lang="en-US" dirty="0"/>
-              <a:t> and plot each of the effective pathways vs time for that selection. Y-axis is % of pathway activity and all pathways can be plotted together. Show difference in pathways for drug effect.</a:t>
+              <a:t>Figure 5a – Difference in population variance between one cell type with a high individual variance in growth, and two cell types with different means and low individual variance in growth</a:t>
             </a:r>
           </a:p>
         </p:txBody>
       </p:sp>
       <p:pic>
         <p:nvPicPr>
-          <p:cNvPr id="4" name="Content Placeholder 4">
-            <a:extLst>
-              <a:ext uri="{FF2B5EF4-FFF2-40B4-BE49-F238E27FC236}">
-                <a16:creationId xmlns:a16="http://schemas.microsoft.com/office/drawing/2014/main" id="{CE692BCC-60C8-4FAD-9F14-96B552BE590B}"/>
+          <p:cNvPr id="4" name="Picture 3">
+            <a:extLst>
+              <a:ext uri="{FF2B5EF4-FFF2-40B4-BE49-F238E27FC236}">
+                <a16:creationId xmlns:a16="http://schemas.microsoft.com/office/drawing/2014/main" id="{F1F59A8C-7114-4022-A452-743CC455BAE6}"/>
               </a:ext>
             </a:extLst>
           </p:cNvPr>
@@ -4526,18 +4559,302 @@
         </p:blipFill>
         <p:spPr>
           <a:xfrm>
-            <a:off x="3848142" y="1939925"/>
-            <a:ext cx="4813258" cy="4813258"/>
+            <a:off x="971752" y="4024326"/>
+            <a:ext cx="2525236" cy="2525236"/>
           </a:xfrm>
           <a:prstGeom prst="rect">
             <a:avLst/>
           </a:prstGeom>
         </p:spPr>
       </p:pic>
+      <p:pic>
+        <p:nvPicPr>
+          <p:cNvPr id="6" name="Picture 5">
+            <a:extLst>
+              <a:ext uri="{FF2B5EF4-FFF2-40B4-BE49-F238E27FC236}">
+                <a16:creationId xmlns:a16="http://schemas.microsoft.com/office/drawing/2014/main" id="{A90D31E1-11F6-4B73-9AD2-E4CAFA0C1B8F}"/>
+              </a:ext>
+            </a:extLst>
+          </p:cNvPr>
+          <p:cNvPicPr>
+            <a:picLocks noChangeAspect="1"/>
+          </p:cNvPicPr>
+          <p:nvPr/>
+        </p:nvPicPr>
+        <p:blipFill>
+          <a:blip r:embed="rId3">
+            <a:extLst>
+              <a:ext uri="{28A0092B-C50C-407E-A947-70E740481C1C}">
+                <a14:useLocalDpi xmlns:a14="http://schemas.microsoft.com/office/drawing/2010/main" val="0"/>
+              </a:ext>
+            </a:extLst>
+          </a:blip>
+          <a:stretch>
+            <a:fillRect/>
+          </a:stretch>
+        </p:blipFill>
+        <p:spPr>
+          <a:xfrm>
+            <a:off x="1049715" y="1577053"/>
+            <a:ext cx="2447273" cy="2447273"/>
+          </a:xfrm>
+          <a:prstGeom prst="rect">
+            <a:avLst/>
+          </a:prstGeom>
+        </p:spPr>
+      </p:pic>
+      <p:pic>
+        <p:nvPicPr>
+          <p:cNvPr id="8" name="Picture 7">
+            <a:extLst>
+              <a:ext uri="{FF2B5EF4-FFF2-40B4-BE49-F238E27FC236}">
+                <a16:creationId xmlns:a16="http://schemas.microsoft.com/office/drawing/2014/main" id="{9928344B-F15D-41D1-A733-6A3BA1C09AF5}"/>
+              </a:ext>
+            </a:extLst>
+          </p:cNvPr>
+          <p:cNvPicPr>
+            <a:picLocks noChangeAspect="1"/>
+          </p:cNvPicPr>
+          <p:nvPr/>
+        </p:nvPicPr>
+        <p:blipFill>
+          <a:blip r:embed="rId4">
+            <a:extLst>
+              <a:ext uri="{28A0092B-C50C-407E-A947-70E740481C1C}">
+                <a14:useLocalDpi xmlns:a14="http://schemas.microsoft.com/office/drawing/2010/main" val="0"/>
+              </a:ext>
+            </a:extLst>
+          </a:blip>
+          <a:stretch>
+            <a:fillRect/>
+          </a:stretch>
+        </p:blipFill>
+        <p:spPr>
+          <a:xfrm>
+            <a:off x="8661970" y="1111207"/>
+            <a:ext cx="2748152" cy="2748152"/>
+          </a:xfrm>
+          <a:prstGeom prst="rect">
+            <a:avLst/>
+          </a:prstGeom>
+        </p:spPr>
+      </p:pic>
+      <p:pic>
+        <p:nvPicPr>
+          <p:cNvPr id="10" name="Picture 9">
+            <a:extLst>
+              <a:ext uri="{FF2B5EF4-FFF2-40B4-BE49-F238E27FC236}">
+                <a16:creationId xmlns:a16="http://schemas.microsoft.com/office/drawing/2014/main" id="{DA378CA7-6D11-4CF8-BA06-6C18BB4A37F1}"/>
+              </a:ext>
+            </a:extLst>
+          </p:cNvPr>
+          <p:cNvPicPr>
+            <a:picLocks noChangeAspect="1"/>
+          </p:cNvPicPr>
+          <p:nvPr/>
+        </p:nvPicPr>
+        <p:blipFill>
+          <a:blip r:embed="rId5">
+            <a:extLst>
+              <a:ext uri="{28A0092B-C50C-407E-A947-70E740481C1C}">
+                <a14:useLocalDpi xmlns:a14="http://schemas.microsoft.com/office/drawing/2010/main" val="0"/>
+              </a:ext>
+            </a:extLst>
+          </a:blip>
+          <a:stretch>
+            <a:fillRect/>
+          </a:stretch>
+        </p:blipFill>
+        <p:spPr>
+          <a:xfrm>
+            <a:off x="8719919" y="3859359"/>
+            <a:ext cx="2690203" cy="2690203"/>
+          </a:xfrm>
+          <a:prstGeom prst="rect">
+            <a:avLst/>
+          </a:prstGeom>
+        </p:spPr>
+      </p:pic>
+      <p:sp>
+        <p:nvSpPr>
+          <p:cNvPr id="11" name="TextBox 10">
+            <a:extLst>
+              <a:ext uri="{FF2B5EF4-FFF2-40B4-BE49-F238E27FC236}">
+                <a16:creationId xmlns:a16="http://schemas.microsoft.com/office/drawing/2014/main" id="{953E9605-B66C-44B9-976E-8D2E9E9CB783}"/>
+              </a:ext>
+            </a:extLst>
+          </p:cNvPr>
+          <p:cNvSpPr txBox="1"/>
+          <p:nvPr/>
+        </p:nvSpPr>
+        <p:spPr>
+          <a:xfrm>
+            <a:off x="7164057" y="4385034"/>
+            <a:ext cx="1473480" cy="646331"/>
+          </a:xfrm>
+          <a:prstGeom prst="rect">
+            <a:avLst/>
+          </a:prstGeom>
+          <a:noFill/>
+        </p:spPr>
+        <p:txBody>
+          <a:bodyPr wrap="none" rtlCol="0">
+            <a:spAutoFit/>
+          </a:bodyPr>
+          <a:lstStyle/>
+          <a:p>
+            <a:r>
+              <a:rPr lang="en-US" dirty="0"/>
+              <a:t>One type,</a:t>
+            </a:r>
+          </a:p>
+          <a:p>
+            <a:r>
+              <a:rPr lang="en-US" dirty="0"/>
+              <a:t>High Variance</a:t>
+            </a:r>
+          </a:p>
+        </p:txBody>
+      </p:sp>
+      <p:sp>
+        <p:nvSpPr>
+          <p:cNvPr id="12" name="TextBox 11">
+            <a:extLst>
+              <a:ext uri="{FF2B5EF4-FFF2-40B4-BE49-F238E27FC236}">
+                <a16:creationId xmlns:a16="http://schemas.microsoft.com/office/drawing/2014/main" id="{6E4CFE25-BA53-4F52-8DDC-588B4BF5BF34}"/>
+              </a:ext>
+            </a:extLst>
+          </p:cNvPr>
+          <p:cNvSpPr txBox="1"/>
+          <p:nvPr/>
+        </p:nvSpPr>
+        <p:spPr>
+          <a:xfrm>
+            <a:off x="3576447" y="4385034"/>
+            <a:ext cx="2434000" cy="923330"/>
+          </a:xfrm>
+          <a:prstGeom prst="rect">
+            <a:avLst/>
+          </a:prstGeom>
+          <a:noFill/>
+        </p:spPr>
+        <p:txBody>
+          <a:bodyPr wrap="none" rtlCol="0">
+            <a:spAutoFit/>
+          </a:bodyPr>
+          <a:lstStyle/>
+          <a:p>
+            <a:r>
+              <a:rPr lang="en-US" dirty="0"/>
+              <a:t>Two types,</a:t>
+            </a:r>
+          </a:p>
+          <a:p>
+            <a:r>
+              <a:rPr lang="en-US" dirty="0"/>
+              <a:t>Different Mean Growth,</a:t>
+            </a:r>
+          </a:p>
+          <a:p>
+            <a:r>
+              <a:rPr lang="en-US" dirty="0"/>
+              <a:t>Varying Proportion</a:t>
+            </a:r>
+          </a:p>
+        </p:txBody>
+      </p:sp>
+      <p:sp>
+        <p:nvSpPr>
+          <p:cNvPr id="13" name="TextBox 12">
+            <a:extLst>
+              <a:ext uri="{FF2B5EF4-FFF2-40B4-BE49-F238E27FC236}">
+                <a16:creationId xmlns:a16="http://schemas.microsoft.com/office/drawing/2014/main" id="{CB796F11-C566-4809-9F42-CA3902DF3EA6}"/>
+              </a:ext>
+            </a:extLst>
+          </p:cNvPr>
+          <p:cNvSpPr txBox="1"/>
+          <p:nvPr/>
+        </p:nvSpPr>
+        <p:spPr>
+          <a:xfrm>
+            <a:off x="3574951" y="1838952"/>
+            <a:ext cx="2240357" cy="923330"/>
+          </a:xfrm>
+          <a:prstGeom prst="rect">
+            <a:avLst/>
+          </a:prstGeom>
+          <a:noFill/>
+        </p:spPr>
+        <p:txBody>
+          <a:bodyPr wrap="none" rtlCol="0">
+            <a:spAutoFit/>
+          </a:bodyPr>
+          <a:lstStyle/>
+          <a:p>
+            <a:r>
+              <a:rPr lang="en-US" dirty="0"/>
+              <a:t>Two types, </a:t>
+            </a:r>
+          </a:p>
+          <a:p>
+            <a:r>
+              <a:rPr lang="en-US" dirty="0"/>
+              <a:t>Similar Mean Growth,</a:t>
+            </a:r>
+          </a:p>
+          <a:p>
+            <a:r>
+              <a:rPr lang="en-US" dirty="0"/>
+              <a:t>Varying Proportion</a:t>
+            </a:r>
+          </a:p>
+        </p:txBody>
+      </p:sp>
+      <p:sp>
+        <p:nvSpPr>
+          <p:cNvPr id="14" name="TextBox 13">
+            <a:extLst>
+              <a:ext uri="{FF2B5EF4-FFF2-40B4-BE49-F238E27FC236}">
+                <a16:creationId xmlns:a16="http://schemas.microsoft.com/office/drawing/2014/main" id="{22390FAC-4EE2-4638-8B86-C2D06200112B}"/>
+              </a:ext>
+            </a:extLst>
+          </p:cNvPr>
+          <p:cNvSpPr txBox="1"/>
+          <p:nvPr/>
+        </p:nvSpPr>
+        <p:spPr>
+          <a:xfrm>
+            <a:off x="7164058" y="1898926"/>
+            <a:ext cx="1411477" cy="646331"/>
+          </a:xfrm>
+          <a:prstGeom prst="rect">
+            <a:avLst/>
+          </a:prstGeom>
+          <a:noFill/>
+        </p:spPr>
+        <p:txBody>
+          <a:bodyPr wrap="none" rtlCol="0">
+            <a:spAutoFit/>
+          </a:bodyPr>
+          <a:lstStyle/>
+          <a:p>
+            <a:r>
+              <a:rPr lang="en-US" dirty="0"/>
+              <a:t>One type,</a:t>
+            </a:r>
+          </a:p>
+          <a:p>
+            <a:r>
+              <a:rPr lang="en-US" dirty="0"/>
+              <a:t>Low variance</a:t>
+            </a:r>
+          </a:p>
+        </p:txBody>
+      </p:sp>
     </p:spTree>
     <p:extLst>
       <p:ext uri="{BB962C8B-B14F-4D97-AF65-F5344CB8AC3E}">
-        <p14:creationId xmlns:p14="http://schemas.microsoft.com/office/powerpoint/2010/main" val="4268960897"/>
+        <p14:creationId xmlns:p14="http://schemas.microsoft.com/office/powerpoint/2010/main" val="3264580045"/>
       </p:ext>
     </p:extLst>
   </p:cSld>

--- a/Figure_Overview.pptx
+++ b/Figure_Overview.pptx
@@ -14,9 +14,10 @@
     <p:sldId id="272" r:id="rId8"/>
     <p:sldId id="275" r:id="rId9"/>
     <p:sldId id="278" r:id="rId10"/>
-    <p:sldId id="279" r:id="rId11"/>
-    <p:sldId id="276" r:id="rId12"/>
-    <p:sldId id="277" r:id="rId13"/>
+    <p:sldId id="280" r:id="rId11"/>
+    <p:sldId id="279" r:id="rId12"/>
+    <p:sldId id="276" r:id="rId13"/>
+    <p:sldId id="277" r:id="rId14"/>
   </p:sldIdLst>
   <p:sldSz cx="12192000" cy="6858000"/>
   <p:notesSz cx="6858000" cy="9144000"/>
@@ -9705,7 +9706,7 @@
           <a:p>
             <a:fld id="{701B5F52-0AED-4C15-A38B-FA5B006D1D86}" type="datetimeFigureOut">
               <a:rPr lang="en-US" smtClean="0"/>
-              <a:t>10/10/2017</a:t>
+              <a:t>10/21/2017</a:t>
             </a:fld>
             <a:endParaRPr lang="en-US"/>
           </a:p>
@@ -9903,7 +9904,7 @@
           <a:p>
             <a:fld id="{701B5F52-0AED-4C15-A38B-FA5B006D1D86}" type="datetimeFigureOut">
               <a:rPr lang="en-US" smtClean="0"/>
-              <a:t>10/10/2017</a:t>
+              <a:t>10/21/2017</a:t>
             </a:fld>
             <a:endParaRPr lang="en-US"/>
           </a:p>
@@ -10111,7 +10112,7 @@
           <a:p>
             <a:fld id="{701B5F52-0AED-4C15-A38B-FA5B006D1D86}" type="datetimeFigureOut">
               <a:rPr lang="en-US" smtClean="0"/>
-              <a:t>10/10/2017</a:t>
+              <a:t>10/21/2017</a:t>
             </a:fld>
             <a:endParaRPr lang="en-US"/>
           </a:p>
@@ -10309,7 +10310,7 @@
           <a:p>
             <a:fld id="{701B5F52-0AED-4C15-A38B-FA5B006D1D86}" type="datetimeFigureOut">
               <a:rPr lang="en-US" smtClean="0"/>
-              <a:t>10/10/2017</a:t>
+              <a:t>10/21/2017</a:t>
             </a:fld>
             <a:endParaRPr lang="en-US"/>
           </a:p>
@@ -10584,7 +10585,7 @@
           <a:p>
             <a:fld id="{701B5F52-0AED-4C15-A38B-FA5B006D1D86}" type="datetimeFigureOut">
               <a:rPr lang="en-US" smtClean="0"/>
-              <a:t>10/10/2017</a:t>
+              <a:t>10/21/2017</a:t>
             </a:fld>
             <a:endParaRPr lang="en-US"/>
           </a:p>
@@ -10849,7 +10850,7 @@
           <a:p>
             <a:fld id="{701B5F52-0AED-4C15-A38B-FA5B006D1D86}" type="datetimeFigureOut">
               <a:rPr lang="en-US" smtClean="0"/>
-              <a:t>10/10/2017</a:t>
+              <a:t>10/21/2017</a:t>
             </a:fld>
             <a:endParaRPr lang="en-US"/>
           </a:p>
@@ -11261,7 +11262,7 @@
           <a:p>
             <a:fld id="{701B5F52-0AED-4C15-A38B-FA5B006D1D86}" type="datetimeFigureOut">
               <a:rPr lang="en-US" smtClean="0"/>
-              <a:t>10/10/2017</a:t>
+              <a:t>10/21/2017</a:t>
             </a:fld>
             <a:endParaRPr lang="en-US"/>
           </a:p>
@@ -11402,7 +11403,7 @@
           <a:p>
             <a:fld id="{701B5F52-0AED-4C15-A38B-FA5B006D1D86}" type="datetimeFigureOut">
               <a:rPr lang="en-US" smtClean="0"/>
-              <a:t>10/10/2017</a:t>
+              <a:t>10/21/2017</a:t>
             </a:fld>
             <a:endParaRPr lang="en-US"/>
           </a:p>
@@ -11515,7 +11516,7 @@
           <a:p>
             <a:fld id="{701B5F52-0AED-4C15-A38B-FA5B006D1D86}" type="datetimeFigureOut">
               <a:rPr lang="en-US" smtClean="0"/>
-              <a:t>10/10/2017</a:t>
+              <a:t>10/21/2017</a:t>
             </a:fld>
             <a:endParaRPr lang="en-US"/>
           </a:p>
@@ -11826,7 +11827,7 @@
           <a:p>
             <a:fld id="{701B5F52-0AED-4C15-A38B-FA5B006D1D86}" type="datetimeFigureOut">
               <a:rPr lang="en-US" smtClean="0"/>
-              <a:t>10/10/2017</a:t>
+              <a:t>10/21/2017</a:t>
             </a:fld>
             <a:endParaRPr lang="en-US"/>
           </a:p>
@@ -12114,7 +12115,7 @@
           <a:p>
             <a:fld id="{701B5F52-0AED-4C15-A38B-FA5B006D1D86}" type="datetimeFigureOut">
               <a:rPr lang="en-US" smtClean="0"/>
-              <a:t>10/10/2017</a:t>
+              <a:t>10/21/2017</a:t>
             </a:fld>
             <a:endParaRPr lang="en-US"/>
           </a:p>
@@ -12355,7 +12356,7 @@
           <a:p>
             <a:fld id="{701B5F52-0AED-4C15-A38B-FA5B006D1D86}" type="datetimeFigureOut">
               <a:rPr lang="en-US" smtClean="0"/>
-              <a:t>10/10/2017</a:t>
+              <a:t>10/21/2017</a:t>
             </a:fld>
             <a:endParaRPr lang="en-US"/>
           </a:p>
@@ -13097,6 +13098,119 @@
           <a:chExt cx="0" cy="0"/>
         </a:xfrm>
       </p:grpSpPr>
+      <p:sp>
+        <p:nvSpPr>
+          <p:cNvPr id="3" name="Content Placeholder 2">
+            <a:extLst>
+              <a:ext uri="{FF2B5EF4-FFF2-40B4-BE49-F238E27FC236}">
+                <a16:creationId xmlns:a16="http://schemas.microsoft.com/office/drawing/2014/main" id="{0CADAE4C-6D55-4061-9893-6054AA467FC9}"/>
+              </a:ext>
+            </a:extLst>
+          </p:cNvPr>
+          <p:cNvSpPr>
+            <a:spLocks noGrp="1"/>
+          </p:cNvSpPr>
+          <p:nvPr>
+            <p:ph idx="1"/>
+          </p:nvPr>
+        </p:nvSpPr>
+        <p:spPr/>
+        <p:txBody>
+          <a:bodyPr/>
+          <a:lstStyle/>
+          <a:p>
+            <a:r>
+              <a:rPr lang="en-US" dirty="0"/>
+              <a:t>Main source of variation is initial proportion</a:t>
+            </a:r>
+          </a:p>
+          <a:p>
+            <a:r>
+              <a:rPr lang="en-US" dirty="0"/>
+              <a:t>Three parameters: initial proportion, number of cell types, difference in cell types</a:t>
+            </a:r>
+          </a:p>
+          <a:p>
+            <a:r>
+              <a:rPr lang="en-US" dirty="0"/>
+              <a:t>A – show variance with one type is small</a:t>
+            </a:r>
+          </a:p>
+          <a:p>
+            <a:r>
+              <a:rPr lang="en-US" dirty="0"/>
+              <a:t>B – show variance is large with two cell types and varying prop</a:t>
+            </a:r>
+          </a:p>
+          <a:p>
+            <a:r>
+              <a:rPr lang="en-US" dirty="0"/>
+              <a:t>C – show adding cell types does not increase this variance</a:t>
+            </a:r>
+          </a:p>
+          <a:p>
+            <a:r>
+              <a:rPr lang="en-US" dirty="0"/>
+              <a:t>D – show increasing variance with increase variance in prop</a:t>
+            </a:r>
+          </a:p>
+          <a:p>
+            <a:r>
+              <a:rPr lang="en-US" dirty="0"/>
+              <a:t>Each fig has 3 components: total over time, prop </a:t>
+            </a:r>
+            <a:r>
+              <a:rPr lang="en-US" dirty="0" err="1"/>
+              <a:t>dist</a:t>
+            </a:r>
+            <a:r>
+              <a:rPr lang="en-US" dirty="0"/>
+              <a:t>, total </a:t>
+            </a:r>
+            <a:r>
+              <a:rPr lang="en-US" dirty="0" err="1"/>
+              <a:t>dist</a:t>
+            </a:r>
+            <a:r>
+              <a:rPr lang="en-US" dirty="0"/>
+              <a:t> at 48 hours</a:t>
+            </a:r>
+          </a:p>
+          <a:p>
+            <a:endParaRPr lang="en-US" dirty="0"/>
+          </a:p>
+        </p:txBody>
+      </p:sp>
+    </p:spTree>
+    <p:extLst>
+      <p:ext uri="{BB962C8B-B14F-4D97-AF65-F5344CB8AC3E}">
+        <p14:creationId xmlns:p14="http://schemas.microsoft.com/office/powerpoint/2010/main" val="21377447"/>
+      </p:ext>
+    </p:extLst>
+  </p:cSld>
+  <p:clrMapOvr>
+    <a:masterClrMapping/>
+  </p:clrMapOvr>
+</p:sld>
+</file>
+
+<file path=ppt/slides/slide11.xml><?xml version="1.0" encoding="utf-8"?>
+<p:sld xmlns:a="http://schemas.openxmlformats.org/drawingml/2006/main" xmlns:r="http://schemas.openxmlformats.org/officeDocument/2006/relationships" xmlns:p="http://schemas.openxmlformats.org/presentationml/2006/main">
+  <p:cSld>
+    <p:spTree>
+      <p:nvGrpSpPr>
+        <p:cNvPr id="1" name=""/>
+        <p:cNvGrpSpPr/>
+        <p:nvPr/>
+      </p:nvGrpSpPr>
+      <p:grpSpPr>
+        <a:xfrm>
+          <a:off x="0" y="0"/>
+          <a:ext cx="0" cy="0"/>
+          <a:chOff x="0" y="0"/>
+          <a:chExt cx="0" cy="0"/>
+        </a:xfrm>
+      </p:grpSpPr>
       <p:pic>
         <p:nvPicPr>
           <p:cNvPr id="5" name="Picture 4">
@@ -13326,7 +13440,7 @@
 </p:sld>
 </file>
 
-<file path=ppt/slides/slide11.xml><?xml version="1.0" encoding="utf-8"?>
+<file path=ppt/slides/slide12.xml><?xml version="1.0" encoding="utf-8"?>
 <p:sld xmlns:a="http://schemas.openxmlformats.org/drawingml/2006/main" xmlns:r="http://schemas.openxmlformats.org/officeDocument/2006/relationships" xmlns:p="http://schemas.openxmlformats.org/presentationml/2006/main">
   <p:cSld>
     <p:spTree>
@@ -13449,7 +13563,7 @@
 </p:sld>
 </file>
 
-<file path=ppt/slides/slide12.xml><?xml version="1.0" encoding="utf-8"?>
+<file path=ppt/slides/slide13.xml><?xml version="1.0" encoding="utf-8"?>
 <p:sld xmlns:a="http://schemas.openxmlformats.org/drawingml/2006/main" xmlns:r="http://schemas.openxmlformats.org/officeDocument/2006/relationships" xmlns:p="http://schemas.openxmlformats.org/presentationml/2006/main">
   <p:cSld>
     <p:spTree>

--- a/Figure_Overview.pptx
+++ b/Figure_Overview.pptx
@@ -13,11 +13,9 @@
     <p:sldId id="274" r:id="rId7"/>
     <p:sldId id="272" r:id="rId8"/>
     <p:sldId id="275" r:id="rId9"/>
-    <p:sldId id="278" r:id="rId10"/>
-    <p:sldId id="280" r:id="rId11"/>
-    <p:sldId id="279" r:id="rId12"/>
-    <p:sldId id="276" r:id="rId13"/>
-    <p:sldId id="277" r:id="rId14"/>
+    <p:sldId id="279" r:id="rId10"/>
+    <p:sldId id="276" r:id="rId11"/>
+    <p:sldId id="277" r:id="rId12"/>
   </p:sldIdLst>
   <p:sldSz cx="12192000" cy="6858000"/>
   <p:notesSz cx="6858000" cy="9144000"/>
@@ -9706,7 +9704,7 @@
           <a:p>
             <a:fld id="{701B5F52-0AED-4C15-A38B-FA5B006D1D86}" type="datetimeFigureOut">
               <a:rPr lang="en-US" smtClean="0"/>
-              <a:t>10/21/2017</a:t>
+              <a:t>10/23/2017</a:t>
             </a:fld>
             <a:endParaRPr lang="en-US"/>
           </a:p>
@@ -9904,7 +9902,7 @@
           <a:p>
             <a:fld id="{701B5F52-0AED-4C15-A38B-FA5B006D1D86}" type="datetimeFigureOut">
               <a:rPr lang="en-US" smtClean="0"/>
-              <a:t>10/21/2017</a:t>
+              <a:t>10/23/2017</a:t>
             </a:fld>
             <a:endParaRPr lang="en-US"/>
           </a:p>
@@ -10112,7 +10110,7 @@
           <a:p>
             <a:fld id="{701B5F52-0AED-4C15-A38B-FA5B006D1D86}" type="datetimeFigureOut">
               <a:rPr lang="en-US" smtClean="0"/>
-              <a:t>10/21/2017</a:t>
+              <a:t>10/23/2017</a:t>
             </a:fld>
             <a:endParaRPr lang="en-US"/>
           </a:p>
@@ -10310,7 +10308,7 @@
           <a:p>
             <a:fld id="{701B5F52-0AED-4C15-A38B-FA5B006D1D86}" type="datetimeFigureOut">
               <a:rPr lang="en-US" smtClean="0"/>
-              <a:t>10/21/2017</a:t>
+              <a:t>10/23/2017</a:t>
             </a:fld>
             <a:endParaRPr lang="en-US"/>
           </a:p>
@@ -10585,7 +10583,7 @@
           <a:p>
             <a:fld id="{701B5F52-0AED-4C15-A38B-FA5B006D1D86}" type="datetimeFigureOut">
               <a:rPr lang="en-US" smtClean="0"/>
-              <a:t>10/21/2017</a:t>
+              <a:t>10/23/2017</a:t>
             </a:fld>
             <a:endParaRPr lang="en-US"/>
           </a:p>
@@ -10850,7 +10848,7 @@
           <a:p>
             <a:fld id="{701B5F52-0AED-4C15-A38B-FA5B006D1D86}" type="datetimeFigureOut">
               <a:rPr lang="en-US" smtClean="0"/>
-              <a:t>10/21/2017</a:t>
+              <a:t>10/23/2017</a:t>
             </a:fld>
             <a:endParaRPr lang="en-US"/>
           </a:p>
@@ -11262,7 +11260,7 @@
           <a:p>
             <a:fld id="{701B5F52-0AED-4C15-A38B-FA5B006D1D86}" type="datetimeFigureOut">
               <a:rPr lang="en-US" smtClean="0"/>
-              <a:t>10/21/2017</a:t>
+              <a:t>10/23/2017</a:t>
             </a:fld>
             <a:endParaRPr lang="en-US"/>
           </a:p>
@@ -11403,7 +11401,7 @@
           <a:p>
             <a:fld id="{701B5F52-0AED-4C15-A38B-FA5B006D1D86}" type="datetimeFigureOut">
               <a:rPr lang="en-US" smtClean="0"/>
-              <a:t>10/21/2017</a:t>
+              <a:t>10/23/2017</a:t>
             </a:fld>
             <a:endParaRPr lang="en-US"/>
           </a:p>
@@ -11516,7 +11514,7 @@
           <a:p>
             <a:fld id="{701B5F52-0AED-4C15-A38B-FA5B006D1D86}" type="datetimeFigureOut">
               <a:rPr lang="en-US" smtClean="0"/>
-              <a:t>10/21/2017</a:t>
+              <a:t>10/23/2017</a:t>
             </a:fld>
             <a:endParaRPr lang="en-US"/>
           </a:p>
@@ -11827,7 +11825,7 @@
           <a:p>
             <a:fld id="{701B5F52-0AED-4C15-A38B-FA5B006D1D86}" type="datetimeFigureOut">
               <a:rPr lang="en-US" smtClean="0"/>
-              <a:t>10/21/2017</a:t>
+              <a:t>10/23/2017</a:t>
             </a:fld>
             <a:endParaRPr lang="en-US"/>
           </a:p>
@@ -12115,7 +12113,7 @@
           <a:p>
             <a:fld id="{701B5F52-0AED-4C15-A38B-FA5B006D1D86}" type="datetimeFigureOut">
               <a:rPr lang="en-US" smtClean="0"/>
-              <a:t>10/21/2017</a:t>
+              <a:t>10/23/2017</a:t>
             </a:fld>
             <a:endParaRPr lang="en-US"/>
           </a:p>
@@ -12356,7 +12354,7 @@
           <a:p>
             <a:fld id="{701B5F52-0AED-4C15-A38B-FA5B006D1D86}" type="datetimeFigureOut">
               <a:rPr lang="en-US" smtClean="0"/>
-              <a:t>10/21/2017</a:t>
+              <a:t>10/23/2017</a:t>
             </a:fld>
             <a:endParaRPr lang="en-US"/>
           </a:p>
@@ -13100,365 +13098,6 @@
       </p:grpSpPr>
       <p:sp>
         <p:nvSpPr>
-          <p:cNvPr id="3" name="Content Placeholder 2">
-            <a:extLst>
-              <a:ext uri="{FF2B5EF4-FFF2-40B4-BE49-F238E27FC236}">
-                <a16:creationId xmlns:a16="http://schemas.microsoft.com/office/drawing/2014/main" id="{0CADAE4C-6D55-4061-9893-6054AA467FC9}"/>
-              </a:ext>
-            </a:extLst>
-          </p:cNvPr>
-          <p:cNvSpPr>
-            <a:spLocks noGrp="1"/>
-          </p:cNvSpPr>
-          <p:nvPr>
-            <p:ph idx="1"/>
-          </p:nvPr>
-        </p:nvSpPr>
-        <p:spPr/>
-        <p:txBody>
-          <a:bodyPr/>
-          <a:lstStyle/>
-          <a:p>
-            <a:r>
-              <a:rPr lang="en-US" dirty="0"/>
-              <a:t>Main source of variation is initial proportion</a:t>
-            </a:r>
-          </a:p>
-          <a:p>
-            <a:r>
-              <a:rPr lang="en-US" dirty="0"/>
-              <a:t>Three parameters: initial proportion, number of cell types, difference in cell types</a:t>
-            </a:r>
-          </a:p>
-          <a:p>
-            <a:r>
-              <a:rPr lang="en-US" dirty="0"/>
-              <a:t>A – show variance with one type is small</a:t>
-            </a:r>
-          </a:p>
-          <a:p>
-            <a:r>
-              <a:rPr lang="en-US" dirty="0"/>
-              <a:t>B – show variance is large with two cell types and varying prop</a:t>
-            </a:r>
-          </a:p>
-          <a:p>
-            <a:r>
-              <a:rPr lang="en-US" dirty="0"/>
-              <a:t>C – show adding cell types does not increase this variance</a:t>
-            </a:r>
-          </a:p>
-          <a:p>
-            <a:r>
-              <a:rPr lang="en-US" dirty="0"/>
-              <a:t>D – show increasing variance with increase variance in prop</a:t>
-            </a:r>
-          </a:p>
-          <a:p>
-            <a:r>
-              <a:rPr lang="en-US" dirty="0"/>
-              <a:t>Each fig has 3 components: total over time, prop </a:t>
-            </a:r>
-            <a:r>
-              <a:rPr lang="en-US" dirty="0" err="1"/>
-              <a:t>dist</a:t>
-            </a:r>
-            <a:r>
-              <a:rPr lang="en-US" dirty="0"/>
-              <a:t>, total </a:t>
-            </a:r>
-            <a:r>
-              <a:rPr lang="en-US" dirty="0" err="1"/>
-              <a:t>dist</a:t>
-            </a:r>
-            <a:r>
-              <a:rPr lang="en-US" dirty="0"/>
-              <a:t> at 48 hours</a:t>
-            </a:r>
-          </a:p>
-          <a:p>
-            <a:endParaRPr lang="en-US" dirty="0"/>
-          </a:p>
-        </p:txBody>
-      </p:sp>
-    </p:spTree>
-    <p:extLst>
-      <p:ext uri="{BB962C8B-B14F-4D97-AF65-F5344CB8AC3E}">
-        <p14:creationId xmlns:p14="http://schemas.microsoft.com/office/powerpoint/2010/main" val="21377447"/>
-      </p:ext>
-    </p:extLst>
-  </p:cSld>
-  <p:clrMapOvr>
-    <a:masterClrMapping/>
-  </p:clrMapOvr>
-</p:sld>
-</file>
-
-<file path=ppt/slides/slide11.xml><?xml version="1.0" encoding="utf-8"?>
-<p:sld xmlns:a="http://schemas.openxmlformats.org/drawingml/2006/main" xmlns:r="http://schemas.openxmlformats.org/officeDocument/2006/relationships" xmlns:p="http://schemas.openxmlformats.org/presentationml/2006/main">
-  <p:cSld>
-    <p:spTree>
-      <p:nvGrpSpPr>
-        <p:cNvPr id="1" name=""/>
-        <p:cNvGrpSpPr/>
-        <p:nvPr/>
-      </p:nvGrpSpPr>
-      <p:grpSpPr>
-        <a:xfrm>
-          <a:off x="0" y="0"/>
-          <a:ext cx="0" cy="0"/>
-          <a:chOff x="0" y="0"/>
-          <a:chExt cx="0" cy="0"/>
-        </a:xfrm>
-      </p:grpSpPr>
-      <p:pic>
-        <p:nvPicPr>
-          <p:cNvPr id="5" name="Picture 4">
-            <a:extLst>
-              <a:ext uri="{FF2B5EF4-FFF2-40B4-BE49-F238E27FC236}">
-                <a16:creationId xmlns:a16="http://schemas.microsoft.com/office/drawing/2014/main" id="{FC788626-1049-4A02-B815-465A1DC4A447}"/>
-              </a:ext>
-            </a:extLst>
-          </p:cNvPr>
-          <p:cNvPicPr>
-            <a:picLocks noChangeAspect="1"/>
-          </p:cNvPicPr>
-          <p:nvPr/>
-        </p:nvPicPr>
-        <p:blipFill>
-          <a:blip r:embed="rId2">
-            <a:extLst>
-              <a:ext uri="{28A0092B-C50C-407E-A947-70E740481C1C}">
-                <a14:useLocalDpi xmlns:a14="http://schemas.microsoft.com/office/drawing/2010/main" val="0"/>
-              </a:ext>
-            </a:extLst>
-          </a:blip>
-          <a:stretch>
-            <a:fillRect/>
-          </a:stretch>
-        </p:blipFill>
-        <p:spPr>
-          <a:xfrm>
-            <a:off x="814872" y="471192"/>
-            <a:ext cx="2917374" cy="2917374"/>
-          </a:xfrm>
-          <a:prstGeom prst="rect">
-            <a:avLst/>
-          </a:prstGeom>
-        </p:spPr>
-      </p:pic>
-      <p:pic>
-        <p:nvPicPr>
-          <p:cNvPr id="7" name="Picture 6">
-            <a:extLst>
-              <a:ext uri="{FF2B5EF4-FFF2-40B4-BE49-F238E27FC236}">
-                <a16:creationId xmlns:a16="http://schemas.microsoft.com/office/drawing/2014/main" id="{3127C2DE-33E3-4644-A16E-BE31A2555840}"/>
-              </a:ext>
-            </a:extLst>
-          </p:cNvPr>
-          <p:cNvPicPr>
-            <a:picLocks noChangeAspect="1"/>
-          </p:cNvPicPr>
-          <p:nvPr/>
-        </p:nvPicPr>
-        <p:blipFill>
-          <a:blip r:embed="rId3">
-            <a:extLst>
-              <a:ext uri="{28A0092B-C50C-407E-A947-70E740481C1C}">
-                <a14:useLocalDpi xmlns:a14="http://schemas.microsoft.com/office/drawing/2010/main" val="0"/>
-              </a:ext>
-            </a:extLst>
-          </a:blip>
-          <a:stretch>
-            <a:fillRect/>
-          </a:stretch>
-        </p:blipFill>
-        <p:spPr>
-          <a:xfrm>
-            <a:off x="814872" y="3428995"/>
-            <a:ext cx="2917374" cy="2917374"/>
-          </a:xfrm>
-          <a:prstGeom prst="rect">
-            <a:avLst/>
-          </a:prstGeom>
-        </p:spPr>
-      </p:pic>
-      <p:pic>
-        <p:nvPicPr>
-          <p:cNvPr id="9" name="Picture 8">
-            <a:extLst>
-              <a:ext uri="{FF2B5EF4-FFF2-40B4-BE49-F238E27FC236}">
-                <a16:creationId xmlns:a16="http://schemas.microsoft.com/office/drawing/2014/main" id="{2E1804FF-1B8B-4F5D-811D-1F32ED8DC6EE}"/>
-              </a:ext>
-            </a:extLst>
-          </p:cNvPr>
-          <p:cNvPicPr>
-            <a:picLocks noChangeAspect="1"/>
-          </p:cNvPicPr>
-          <p:nvPr/>
-        </p:nvPicPr>
-        <p:blipFill>
-          <a:blip r:embed="rId4">
-            <a:extLst>
-              <a:ext uri="{28A0092B-C50C-407E-A947-70E740481C1C}">
-                <a14:useLocalDpi xmlns:a14="http://schemas.microsoft.com/office/drawing/2010/main" val="0"/>
-              </a:ext>
-            </a:extLst>
-          </a:blip>
-          <a:stretch>
-            <a:fillRect/>
-          </a:stretch>
-        </p:blipFill>
-        <p:spPr>
-          <a:xfrm>
-            <a:off x="3732246" y="471192"/>
-            <a:ext cx="2917374" cy="2917374"/>
-          </a:xfrm>
-          <a:prstGeom prst="rect">
-            <a:avLst/>
-          </a:prstGeom>
-        </p:spPr>
-      </p:pic>
-      <p:pic>
-        <p:nvPicPr>
-          <p:cNvPr id="11" name="Picture 10">
-            <a:extLst>
-              <a:ext uri="{FF2B5EF4-FFF2-40B4-BE49-F238E27FC236}">
-                <a16:creationId xmlns:a16="http://schemas.microsoft.com/office/drawing/2014/main" id="{95173844-8E16-4AD7-9F7F-7B448716AE38}"/>
-              </a:ext>
-            </a:extLst>
-          </p:cNvPr>
-          <p:cNvPicPr>
-            <a:picLocks noChangeAspect="1"/>
-          </p:cNvPicPr>
-          <p:nvPr/>
-        </p:nvPicPr>
-        <p:blipFill>
-          <a:blip r:embed="rId5">
-            <a:extLst>
-              <a:ext uri="{28A0092B-C50C-407E-A947-70E740481C1C}">
-                <a14:useLocalDpi xmlns:a14="http://schemas.microsoft.com/office/drawing/2010/main" val="0"/>
-              </a:ext>
-            </a:extLst>
-          </a:blip>
-          <a:stretch>
-            <a:fillRect/>
-          </a:stretch>
-        </p:blipFill>
-        <p:spPr>
-          <a:xfrm>
-            <a:off x="3937519" y="3428995"/>
-            <a:ext cx="2917374" cy="2917374"/>
-          </a:xfrm>
-          <a:prstGeom prst="rect">
-            <a:avLst/>
-          </a:prstGeom>
-        </p:spPr>
-      </p:pic>
-      <p:pic>
-        <p:nvPicPr>
-          <p:cNvPr id="13" name="Picture 12">
-            <a:extLst>
-              <a:ext uri="{FF2B5EF4-FFF2-40B4-BE49-F238E27FC236}">
-                <a16:creationId xmlns:a16="http://schemas.microsoft.com/office/drawing/2014/main" id="{9BA9335A-D2DE-41DB-AF19-8122F8FE0497}"/>
-              </a:ext>
-            </a:extLst>
-          </p:cNvPr>
-          <p:cNvPicPr>
-            <a:picLocks noChangeAspect="1"/>
-          </p:cNvPicPr>
-          <p:nvPr/>
-        </p:nvPicPr>
-        <p:blipFill>
-          <a:blip r:embed="rId6">
-            <a:extLst>
-              <a:ext uri="{28A0092B-C50C-407E-A947-70E740481C1C}">
-                <a14:useLocalDpi xmlns:a14="http://schemas.microsoft.com/office/drawing/2010/main" val="0"/>
-              </a:ext>
-            </a:extLst>
-          </a:blip>
-          <a:stretch>
-            <a:fillRect/>
-          </a:stretch>
-        </p:blipFill>
-        <p:spPr>
-          <a:xfrm>
-            <a:off x="7060165" y="511621"/>
-            <a:ext cx="2917374" cy="2917374"/>
-          </a:xfrm>
-          <a:prstGeom prst="rect">
-            <a:avLst/>
-          </a:prstGeom>
-        </p:spPr>
-      </p:pic>
-      <p:pic>
-        <p:nvPicPr>
-          <p:cNvPr id="15" name="Picture 14">
-            <a:extLst>
-              <a:ext uri="{FF2B5EF4-FFF2-40B4-BE49-F238E27FC236}">
-                <a16:creationId xmlns:a16="http://schemas.microsoft.com/office/drawing/2014/main" id="{1582A2A4-AB2F-416B-9C63-245E3FAC6B6B}"/>
-              </a:ext>
-            </a:extLst>
-          </p:cNvPr>
-          <p:cNvPicPr>
-            <a:picLocks noChangeAspect="1"/>
-          </p:cNvPicPr>
-          <p:nvPr/>
-        </p:nvPicPr>
-        <p:blipFill>
-          <a:blip r:embed="rId7">
-            <a:extLst>
-              <a:ext uri="{28A0092B-C50C-407E-A947-70E740481C1C}">
-                <a14:useLocalDpi xmlns:a14="http://schemas.microsoft.com/office/drawing/2010/main" val="0"/>
-              </a:ext>
-            </a:extLst>
-          </a:blip>
-          <a:stretch>
-            <a:fillRect/>
-          </a:stretch>
-        </p:blipFill>
-        <p:spPr>
-          <a:xfrm>
-            <a:off x="7060165" y="3388566"/>
-            <a:ext cx="2917374" cy="2917374"/>
-          </a:xfrm>
-          <a:prstGeom prst="rect">
-            <a:avLst/>
-          </a:prstGeom>
-        </p:spPr>
-      </p:pic>
-    </p:spTree>
-    <p:extLst>
-      <p:ext uri="{BB962C8B-B14F-4D97-AF65-F5344CB8AC3E}">
-        <p14:creationId xmlns:p14="http://schemas.microsoft.com/office/powerpoint/2010/main" val="3620757014"/>
-      </p:ext>
-    </p:extLst>
-  </p:cSld>
-  <p:clrMapOvr>
-    <a:masterClrMapping/>
-  </p:clrMapOvr>
-</p:sld>
-</file>
-
-<file path=ppt/slides/slide12.xml><?xml version="1.0" encoding="utf-8"?>
-<p:sld xmlns:a="http://schemas.openxmlformats.org/drawingml/2006/main" xmlns:r="http://schemas.openxmlformats.org/officeDocument/2006/relationships" xmlns:p="http://schemas.openxmlformats.org/presentationml/2006/main">
-  <p:cSld>
-    <p:spTree>
-      <p:nvGrpSpPr>
-        <p:cNvPr id="1" name=""/>
-        <p:cNvGrpSpPr/>
-        <p:nvPr/>
-      </p:nvGrpSpPr>
-      <p:grpSpPr>
-        <a:xfrm>
-          <a:off x="0" y="0"/>
-          <a:ext cx="0" cy="0"/>
-          <a:chOff x="0" y="0"/>
-          <a:chExt cx="0" cy="0"/>
-        </a:xfrm>
-      </p:grpSpPr>
-      <p:sp>
-        <p:nvSpPr>
           <p:cNvPr id="3" name="Subtitle 2">
             <a:extLst>
               <a:ext uri="{FF2B5EF4-FFF2-40B4-BE49-F238E27FC236}">
@@ -13563,7 +13202,7 @@
 </p:sld>
 </file>
 
-<file path=ppt/slides/slide13.xml><?xml version="1.0" encoding="utf-8"?>
+<file path=ppt/slides/slide11.xml><?xml version="1.0" encoding="utf-8"?>
 <p:sld xmlns:a="http://schemas.openxmlformats.org/drawingml/2006/main" xmlns:r="http://schemas.openxmlformats.org/officeDocument/2006/relationships" xmlns:p="http://schemas.openxmlformats.org/presentationml/2006/main">
   <p:cSld>
     <p:spTree>
@@ -14401,7 +14040,7 @@
         </p:nvSpPr>
         <p:spPr>
           <a:xfrm>
-            <a:off x="1299411" y="521953"/>
+            <a:off x="1175586" y="216200"/>
             <a:ext cx="9448800" cy="1178509"/>
           </a:xfrm>
         </p:spPr>
@@ -14770,10 +14409,10 @@
       </p:grpSpPr>
       <p:pic>
         <p:nvPicPr>
-          <p:cNvPr id="9" name="Picture 8">
+          <p:cNvPr id="3" name="Picture 2">
             <a:extLst>
               <a:ext uri="{FF2B5EF4-FFF2-40B4-BE49-F238E27FC236}">
-                <a16:creationId xmlns:a16="http://schemas.microsoft.com/office/drawing/2014/main" id="{7351E599-0572-462F-BC68-AF9AFABDE9F6}"/>
+                <a16:creationId xmlns:a16="http://schemas.microsoft.com/office/drawing/2014/main" id="{7C2588DA-91EA-448D-94B2-E0892C1BB38D}"/>
               </a:ext>
             </a:extLst>
           </p:cNvPr>
@@ -14796,8 +14435,8 @@
         </p:blipFill>
         <p:spPr>
           <a:xfrm>
-            <a:off x="404325" y="601823"/>
-            <a:ext cx="3474720" cy="3474720"/>
+            <a:off x="1240632" y="3257550"/>
+            <a:ext cx="2743200" cy="2743200"/>
           </a:xfrm>
           <a:prstGeom prst="rect">
             <a:avLst/>
@@ -14806,10 +14445,10 @@
       </p:pic>
       <p:pic>
         <p:nvPicPr>
-          <p:cNvPr id="16" name="Picture 15">
+          <p:cNvPr id="6" name="Picture 5">
             <a:extLst>
               <a:ext uri="{FF2B5EF4-FFF2-40B4-BE49-F238E27FC236}">
-                <a16:creationId xmlns:a16="http://schemas.microsoft.com/office/drawing/2014/main" id="{7F31A232-ECF5-4CA8-A527-9B976BBEF081}"/>
+                <a16:creationId xmlns:a16="http://schemas.microsoft.com/office/drawing/2014/main" id="{ED89D380-DB26-4C14-A56C-5C7CAF63E645}"/>
               </a:ext>
             </a:extLst>
           </p:cNvPr>
@@ -14832,8 +14471,8 @@
         </p:blipFill>
         <p:spPr>
           <a:xfrm>
-            <a:off x="4145903" y="601823"/>
-            <a:ext cx="3474720" cy="3474720"/>
+            <a:off x="4743450" y="466725"/>
+            <a:ext cx="2743200" cy="2743200"/>
           </a:xfrm>
           <a:prstGeom prst="rect">
             <a:avLst/>
@@ -14842,10 +14481,10 @@
       </p:pic>
       <p:pic>
         <p:nvPicPr>
-          <p:cNvPr id="18" name="Picture 17">
+          <p:cNvPr id="10" name="Picture 9">
             <a:extLst>
               <a:ext uri="{FF2B5EF4-FFF2-40B4-BE49-F238E27FC236}">
-                <a16:creationId xmlns:a16="http://schemas.microsoft.com/office/drawing/2014/main" id="{3F222579-7E5C-473C-A28B-34D3ABAF22F4}"/>
+                <a16:creationId xmlns:a16="http://schemas.microsoft.com/office/drawing/2014/main" id="{EBD7D6FC-2EBA-4AA7-90FD-C59A7B5BA8C0}"/>
               </a:ext>
             </a:extLst>
           </p:cNvPr>
@@ -14868,8 +14507,116 @@
         </p:blipFill>
         <p:spPr>
           <a:xfrm>
-            <a:off x="8046098" y="543039"/>
-            <a:ext cx="3474720" cy="3474720"/>
+            <a:off x="4737498" y="3209925"/>
+            <a:ext cx="2743200" cy="2743200"/>
+          </a:xfrm>
+          <a:prstGeom prst="rect">
+            <a:avLst/>
+          </a:prstGeom>
+        </p:spPr>
+      </p:pic>
+      <p:pic>
+        <p:nvPicPr>
+          <p:cNvPr id="14" name="Picture 13">
+            <a:extLst>
+              <a:ext uri="{FF2B5EF4-FFF2-40B4-BE49-F238E27FC236}">
+                <a16:creationId xmlns:a16="http://schemas.microsoft.com/office/drawing/2014/main" id="{1DC3FE1A-AB52-4F76-911B-6F7C3BCDCEE9}"/>
+              </a:ext>
+            </a:extLst>
+          </p:cNvPr>
+          <p:cNvPicPr>
+            <a:picLocks noChangeAspect="1"/>
+          </p:cNvPicPr>
+          <p:nvPr/>
+        </p:nvPicPr>
+        <p:blipFill>
+          <a:blip r:embed="rId5">
+            <a:extLst>
+              <a:ext uri="{28A0092B-C50C-407E-A947-70E740481C1C}">
+                <a14:useLocalDpi xmlns:a14="http://schemas.microsoft.com/office/drawing/2010/main" val="0"/>
+              </a:ext>
+            </a:extLst>
+          </a:blip>
+          <a:stretch>
+            <a:fillRect/>
+          </a:stretch>
+        </p:blipFill>
+        <p:spPr>
+          <a:xfrm>
+            <a:off x="8320089" y="466725"/>
+            <a:ext cx="2743200" cy="2743200"/>
+          </a:xfrm>
+          <a:prstGeom prst="rect">
+            <a:avLst/>
+          </a:prstGeom>
+        </p:spPr>
+      </p:pic>
+      <p:pic>
+        <p:nvPicPr>
+          <p:cNvPr id="17" name="Picture 16">
+            <a:extLst>
+              <a:ext uri="{FF2B5EF4-FFF2-40B4-BE49-F238E27FC236}">
+                <a16:creationId xmlns:a16="http://schemas.microsoft.com/office/drawing/2014/main" id="{7E586D59-A729-4228-B690-0DB253C4CC6A}"/>
+              </a:ext>
+            </a:extLst>
+          </p:cNvPr>
+          <p:cNvPicPr>
+            <a:picLocks noChangeAspect="1"/>
+          </p:cNvPicPr>
+          <p:nvPr/>
+        </p:nvPicPr>
+        <p:blipFill>
+          <a:blip r:embed="rId6">
+            <a:extLst>
+              <a:ext uri="{28A0092B-C50C-407E-A947-70E740481C1C}">
+                <a14:useLocalDpi xmlns:a14="http://schemas.microsoft.com/office/drawing/2010/main" val="0"/>
+              </a:ext>
+            </a:extLst>
+          </a:blip>
+          <a:stretch>
+            <a:fillRect/>
+          </a:stretch>
+        </p:blipFill>
+        <p:spPr>
+          <a:xfrm>
+            <a:off x="8320089" y="3257550"/>
+            <a:ext cx="2743200" cy="2743200"/>
+          </a:xfrm>
+          <a:prstGeom prst="rect">
+            <a:avLst/>
+          </a:prstGeom>
+        </p:spPr>
+      </p:pic>
+      <p:pic>
+        <p:nvPicPr>
+          <p:cNvPr id="19" name="Picture 18">
+            <a:extLst>
+              <a:ext uri="{FF2B5EF4-FFF2-40B4-BE49-F238E27FC236}">
+                <a16:creationId xmlns:a16="http://schemas.microsoft.com/office/drawing/2014/main" id="{37AAF1F3-6FD8-4861-B4C7-5EAB5C3A6BC9}"/>
+              </a:ext>
+            </a:extLst>
+          </p:cNvPr>
+          <p:cNvPicPr>
+            <a:picLocks noChangeAspect="1"/>
+          </p:cNvPicPr>
+          <p:nvPr/>
+        </p:nvPicPr>
+        <p:blipFill>
+          <a:blip r:embed="rId7">
+            <a:extLst>
+              <a:ext uri="{28A0092B-C50C-407E-A947-70E740481C1C}">
+                <a14:useLocalDpi xmlns:a14="http://schemas.microsoft.com/office/drawing/2010/main" val="0"/>
+              </a:ext>
+            </a:extLst>
+          </a:blip>
+          <a:stretch>
+            <a:fillRect/>
+          </a:stretch>
+        </p:blipFill>
+        <p:spPr>
+          <a:xfrm>
+            <a:off x="1240632" y="466725"/>
+            <a:ext cx="2743200" cy="2743200"/>
           </a:xfrm>
           <a:prstGeom prst="rect">
             <a:avLst/>
@@ -14879,7 +14626,7 @@
     </p:spTree>
     <p:extLst>
       <p:ext uri="{BB962C8B-B14F-4D97-AF65-F5344CB8AC3E}">
-        <p14:creationId xmlns:p14="http://schemas.microsoft.com/office/powerpoint/2010/main" val="2206480490"/>
+        <p14:creationId xmlns:p14="http://schemas.microsoft.com/office/powerpoint/2010/main" val="3620757014"/>
       </p:ext>
     </p:extLst>
   </p:cSld>

--- a/Figure_Overview.pptx
+++ b/Figure_Overview.pptx
@@ -9704,7 +9704,7 @@
           <a:p>
             <a:fld id="{701B5F52-0AED-4C15-A38B-FA5B006D1D86}" type="datetimeFigureOut">
               <a:rPr lang="en-US" smtClean="0"/>
-              <a:t>10/23/2017</a:t>
+              <a:t>11/8/2017</a:t>
             </a:fld>
             <a:endParaRPr lang="en-US"/>
           </a:p>
@@ -9902,7 +9902,7 @@
           <a:p>
             <a:fld id="{701B5F52-0AED-4C15-A38B-FA5B006D1D86}" type="datetimeFigureOut">
               <a:rPr lang="en-US" smtClean="0"/>
-              <a:t>10/23/2017</a:t>
+              <a:t>11/8/2017</a:t>
             </a:fld>
             <a:endParaRPr lang="en-US"/>
           </a:p>
@@ -10110,7 +10110,7 @@
           <a:p>
             <a:fld id="{701B5F52-0AED-4C15-A38B-FA5B006D1D86}" type="datetimeFigureOut">
               <a:rPr lang="en-US" smtClean="0"/>
-              <a:t>10/23/2017</a:t>
+              <a:t>11/8/2017</a:t>
             </a:fld>
             <a:endParaRPr lang="en-US"/>
           </a:p>
@@ -10308,7 +10308,7 @@
           <a:p>
             <a:fld id="{701B5F52-0AED-4C15-A38B-FA5B006D1D86}" type="datetimeFigureOut">
               <a:rPr lang="en-US" smtClean="0"/>
-              <a:t>10/23/2017</a:t>
+              <a:t>11/8/2017</a:t>
             </a:fld>
             <a:endParaRPr lang="en-US"/>
           </a:p>
@@ -10583,7 +10583,7 @@
           <a:p>
             <a:fld id="{701B5F52-0AED-4C15-A38B-FA5B006D1D86}" type="datetimeFigureOut">
               <a:rPr lang="en-US" smtClean="0"/>
-              <a:t>10/23/2017</a:t>
+              <a:t>11/8/2017</a:t>
             </a:fld>
             <a:endParaRPr lang="en-US"/>
           </a:p>
@@ -10848,7 +10848,7 @@
           <a:p>
             <a:fld id="{701B5F52-0AED-4C15-A38B-FA5B006D1D86}" type="datetimeFigureOut">
               <a:rPr lang="en-US" smtClean="0"/>
-              <a:t>10/23/2017</a:t>
+              <a:t>11/8/2017</a:t>
             </a:fld>
             <a:endParaRPr lang="en-US"/>
           </a:p>
@@ -11260,7 +11260,7 @@
           <a:p>
             <a:fld id="{701B5F52-0AED-4C15-A38B-FA5B006D1D86}" type="datetimeFigureOut">
               <a:rPr lang="en-US" smtClean="0"/>
-              <a:t>10/23/2017</a:t>
+              <a:t>11/8/2017</a:t>
             </a:fld>
             <a:endParaRPr lang="en-US"/>
           </a:p>
@@ -11401,7 +11401,7 @@
           <a:p>
             <a:fld id="{701B5F52-0AED-4C15-A38B-FA5B006D1D86}" type="datetimeFigureOut">
               <a:rPr lang="en-US" smtClean="0"/>
-              <a:t>10/23/2017</a:t>
+              <a:t>11/8/2017</a:t>
             </a:fld>
             <a:endParaRPr lang="en-US"/>
           </a:p>
@@ -11514,7 +11514,7 @@
           <a:p>
             <a:fld id="{701B5F52-0AED-4C15-A38B-FA5B006D1D86}" type="datetimeFigureOut">
               <a:rPr lang="en-US" smtClean="0"/>
-              <a:t>10/23/2017</a:t>
+              <a:t>11/8/2017</a:t>
             </a:fld>
             <a:endParaRPr lang="en-US"/>
           </a:p>
@@ -11825,7 +11825,7 @@
           <a:p>
             <a:fld id="{701B5F52-0AED-4C15-A38B-FA5B006D1D86}" type="datetimeFigureOut">
               <a:rPr lang="en-US" smtClean="0"/>
-              <a:t>10/23/2017</a:t>
+              <a:t>11/8/2017</a:t>
             </a:fld>
             <a:endParaRPr lang="en-US"/>
           </a:p>
@@ -12113,7 +12113,7 @@
           <a:p>
             <a:fld id="{701B5F52-0AED-4C15-A38B-FA5B006D1D86}" type="datetimeFigureOut">
               <a:rPr lang="en-US" smtClean="0"/>
-              <a:t>10/23/2017</a:t>
+              <a:t>11/8/2017</a:t>
             </a:fld>
             <a:endParaRPr lang="en-US"/>
           </a:p>
@@ -12354,7 +12354,7 @@
           <a:p>
             <a:fld id="{701B5F52-0AED-4C15-A38B-FA5B006D1D86}" type="datetimeFigureOut">
               <a:rPr lang="en-US" smtClean="0"/>
-              <a:t>10/23/2017</a:t>
+              <a:t>11/8/2017</a:t>
             </a:fld>
             <a:endParaRPr lang="en-US"/>
           </a:p>
@@ -13713,7 +13713,7 @@
           <a:p>
             <a:r>
               <a:rPr lang="en-US" dirty="0"/>
-              <a:t>Figure 4c – Pick one dosage (10 um/mL) from </a:t>
+              <a:t>Figure 4b – Pick one dosage (10 um/mL) from </a:t>
             </a:r>
             <a:r>
               <a:rPr lang="en-US" b="1" dirty="0"/>
@@ -13822,7 +13822,7 @@
           <a:p>
             <a:r>
               <a:rPr lang="en-US" dirty="0"/>
-              <a:t>Figure 4d – Comparison to real gene expression data along each pathway. Subset real data</a:t>
+              <a:t>Figure 4c – Comparison to real gene expression data along each pathway. Subset real data</a:t>
             </a:r>
           </a:p>
           <a:p>

--- a/Figure_Overview.pptx
+++ b/Figure_Overview.pptx
@@ -9704,7 +9704,7 @@
           <a:p>
             <a:fld id="{701B5F52-0AED-4C15-A38B-FA5B006D1D86}" type="datetimeFigureOut">
               <a:rPr lang="en-US" smtClean="0"/>
-              <a:t>11/8/2017</a:t>
+              <a:t>11/15/2017</a:t>
             </a:fld>
             <a:endParaRPr lang="en-US"/>
           </a:p>
@@ -9902,7 +9902,7 @@
           <a:p>
             <a:fld id="{701B5F52-0AED-4C15-A38B-FA5B006D1D86}" type="datetimeFigureOut">
               <a:rPr lang="en-US" smtClean="0"/>
-              <a:t>11/8/2017</a:t>
+              <a:t>11/15/2017</a:t>
             </a:fld>
             <a:endParaRPr lang="en-US"/>
           </a:p>
@@ -10110,7 +10110,7 @@
           <a:p>
             <a:fld id="{701B5F52-0AED-4C15-A38B-FA5B006D1D86}" type="datetimeFigureOut">
               <a:rPr lang="en-US" smtClean="0"/>
-              <a:t>11/8/2017</a:t>
+              <a:t>11/15/2017</a:t>
             </a:fld>
             <a:endParaRPr lang="en-US"/>
           </a:p>
@@ -10308,7 +10308,7 @@
           <a:p>
             <a:fld id="{701B5F52-0AED-4C15-A38B-FA5B006D1D86}" type="datetimeFigureOut">
               <a:rPr lang="en-US" smtClean="0"/>
-              <a:t>11/8/2017</a:t>
+              <a:t>11/15/2017</a:t>
             </a:fld>
             <a:endParaRPr lang="en-US"/>
           </a:p>
@@ -10583,7 +10583,7 @@
           <a:p>
             <a:fld id="{701B5F52-0AED-4C15-A38B-FA5B006D1D86}" type="datetimeFigureOut">
               <a:rPr lang="en-US" smtClean="0"/>
-              <a:t>11/8/2017</a:t>
+              <a:t>11/15/2017</a:t>
             </a:fld>
             <a:endParaRPr lang="en-US"/>
           </a:p>
@@ -10848,7 +10848,7 @@
           <a:p>
             <a:fld id="{701B5F52-0AED-4C15-A38B-FA5B006D1D86}" type="datetimeFigureOut">
               <a:rPr lang="en-US" smtClean="0"/>
-              <a:t>11/8/2017</a:t>
+              <a:t>11/15/2017</a:t>
             </a:fld>
             <a:endParaRPr lang="en-US"/>
           </a:p>
@@ -11260,7 +11260,7 @@
           <a:p>
             <a:fld id="{701B5F52-0AED-4C15-A38B-FA5B006D1D86}" type="datetimeFigureOut">
               <a:rPr lang="en-US" smtClean="0"/>
-              <a:t>11/8/2017</a:t>
+              <a:t>11/15/2017</a:t>
             </a:fld>
             <a:endParaRPr lang="en-US"/>
           </a:p>
@@ -11401,7 +11401,7 @@
           <a:p>
             <a:fld id="{701B5F52-0AED-4C15-A38B-FA5B006D1D86}" type="datetimeFigureOut">
               <a:rPr lang="en-US" smtClean="0"/>
-              <a:t>11/8/2017</a:t>
+              <a:t>11/15/2017</a:t>
             </a:fld>
             <a:endParaRPr lang="en-US"/>
           </a:p>
@@ -11514,7 +11514,7 @@
           <a:p>
             <a:fld id="{701B5F52-0AED-4C15-A38B-FA5B006D1D86}" type="datetimeFigureOut">
               <a:rPr lang="en-US" smtClean="0"/>
-              <a:t>11/8/2017</a:t>
+              <a:t>11/15/2017</a:t>
             </a:fld>
             <a:endParaRPr lang="en-US"/>
           </a:p>
@@ -11825,7 +11825,7 @@
           <a:p>
             <a:fld id="{701B5F52-0AED-4C15-A38B-FA5B006D1D86}" type="datetimeFigureOut">
               <a:rPr lang="en-US" smtClean="0"/>
-              <a:t>11/8/2017</a:t>
+              <a:t>11/15/2017</a:t>
             </a:fld>
             <a:endParaRPr lang="en-US"/>
           </a:p>
@@ -12113,7 +12113,7 @@
           <a:p>
             <a:fld id="{701B5F52-0AED-4C15-A38B-FA5B006D1D86}" type="datetimeFigureOut">
               <a:rPr lang="en-US" smtClean="0"/>
-              <a:t>11/8/2017</a:t>
+              <a:t>11/15/2017</a:t>
             </a:fld>
             <a:endParaRPr lang="en-US"/>
           </a:p>
@@ -12354,7 +12354,7 @@
           <a:p>
             <a:fld id="{701B5F52-0AED-4C15-A38B-FA5B006D1D86}" type="datetimeFigureOut">
               <a:rPr lang="en-US" smtClean="0"/>
-              <a:t>11/8/2017</a:t>
+              <a:t>11/15/2017</a:t>
             </a:fld>
             <a:endParaRPr lang="en-US"/>
           </a:p>
@@ -13260,6 +13260,42 @@
           </a:p>
         </p:txBody>
       </p:sp>
+      <p:pic>
+        <p:nvPicPr>
+          <p:cNvPr id="8" name="Picture 7">
+            <a:extLst>
+              <a:ext uri="{FF2B5EF4-FFF2-40B4-BE49-F238E27FC236}">
+                <a16:creationId xmlns:a16="http://schemas.microsoft.com/office/drawing/2014/main" id="{33D6B5DA-439A-4798-AAE1-DF86DE9CD057}"/>
+              </a:ext>
+            </a:extLst>
+          </p:cNvPr>
+          <p:cNvPicPr>
+            <a:picLocks noChangeAspect="1"/>
+          </p:cNvPicPr>
+          <p:nvPr/>
+        </p:nvPicPr>
+        <p:blipFill>
+          <a:blip r:embed="rId2">
+            <a:extLst>
+              <a:ext uri="{28A0092B-C50C-407E-A947-70E740481C1C}">
+                <a14:useLocalDpi xmlns:a14="http://schemas.microsoft.com/office/drawing/2010/main" val="0"/>
+              </a:ext>
+            </a:extLst>
+          </a:blip>
+          <a:stretch>
+            <a:fillRect/>
+          </a:stretch>
+        </p:blipFill>
+        <p:spPr>
+          <a:xfrm>
+            <a:off x="3030797" y="1018672"/>
+            <a:ext cx="5656003" cy="5656003"/>
+          </a:xfrm>
+          <a:prstGeom prst="rect">
+            <a:avLst/>
+          </a:prstGeom>
+        </p:spPr>
+      </p:pic>
     </p:spTree>
     <p:extLst>
       <p:ext uri="{BB962C8B-B14F-4D97-AF65-F5344CB8AC3E}">
